--- a/Planning/Visualization/AllActivitiesVisualized.pptx
+++ b/Planning/Visualization/AllActivitiesVisualized.pptx
@@ -8,9 +8,10 @@
     <p:sldId id="261" r:id="rId2"/>
     <p:sldId id="263" r:id="rId3"/>
     <p:sldId id="262" r:id="rId4"/>
-    <p:sldId id="257" r:id="rId5"/>
-    <p:sldId id="259" r:id="rId6"/>
-    <p:sldId id="258" r:id="rId7"/>
+    <p:sldId id="264" r:id="rId5"/>
+    <p:sldId id="257" r:id="rId6"/>
+    <p:sldId id="259" r:id="rId7"/>
+    <p:sldId id="258" r:id="rId8"/>
   </p:sldIdLst>
   <p:sldSz cx="12192000" cy="6858000"/>
   <p:notesSz cx="6858000" cy="9144000"/>
@@ -264,7 +265,7 @@
           <a:p>
             <a:fld id="{DD9F79B8-BF5A-41B3-886C-350C07B19794}" type="datetimeFigureOut">
               <a:rPr lang="de-DE" smtClean="0"/>
-              <a:t>02.11.2020</a:t>
+              <a:t>06.11.2020</a:t>
             </a:fld>
             <a:endParaRPr lang="de-DE"/>
           </a:p>
@@ -462,7 +463,7 @@
           <a:p>
             <a:fld id="{DD9F79B8-BF5A-41B3-886C-350C07B19794}" type="datetimeFigureOut">
               <a:rPr lang="de-DE" smtClean="0"/>
-              <a:t>02.11.2020</a:t>
+              <a:t>06.11.2020</a:t>
             </a:fld>
             <a:endParaRPr lang="de-DE"/>
           </a:p>
@@ -670,7 +671,7 @@
           <a:p>
             <a:fld id="{DD9F79B8-BF5A-41B3-886C-350C07B19794}" type="datetimeFigureOut">
               <a:rPr lang="de-DE" smtClean="0"/>
-              <a:t>02.11.2020</a:t>
+              <a:t>06.11.2020</a:t>
             </a:fld>
             <a:endParaRPr lang="de-DE"/>
           </a:p>
@@ -868,7 +869,7 @@
           <a:p>
             <a:fld id="{DD9F79B8-BF5A-41B3-886C-350C07B19794}" type="datetimeFigureOut">
               <a:rPr lang="de-DE" smtClean="0"/>
-              <a:t>02.11.2020</a:t>
+              <a:t>06.11.2020</a:t>
             </a:fld>
             <a:endParaRPr lang="de-DE"/>
           </a:p>
@@ -1143,7 +1144,7 @@
           <a:p>
             <a:fld id="{DD9F79B8-BF5A-41B3-886C-350C07B19794}" type="datetimeFigureOut">
               <a:rPr lang="de-DE" smtClean="0"/>
-              <a:t>02.11.2020</a:t>
+              <a:t>06.11.2020</a:t>
             </a:fld>
             <a:endParaRPr lang="de-DE"/>
           </a:p>
@@ -1408,7 +1409,7 @@
           <a:p>
             <a:fld id="{DD9F79B8-BF5A-41B3-886C-350C07B19794}" type="datetimeFigureOut">
               <a:rPr lang="de-DE" smtClean="0"/>
-              <a:t>02.11.2020</a:t>
+              <a:t>06.11.2020</a:t>
             </a:fld>
             <a:endParaRPr lang="de-DE"/>
           </a:p>
@@ -1820,7 +1821,7 @@
           <a:p>
             <a:fld id="{DD9F79B8-BF5A-41B3-886C-350C07B19794}" type="datetimeFigureOut">
               <a:rPr lang="de-DE" smtClean="0"/>
-              <a:t>02.11.2020</a:t>
+              <a:t>06.11.2020</a:t>
             </a:fld>
             <a:endParaRPr lang="de-DE"/>
           </a:p>
@@ -1961,7 +1962,7 @@
           <a:p>
             <a:fld id="{DD9F79B8-BF5A-41B3-886C-350C07B19794}" type="datetimeFigureOut">
               <a:rPr lang="de-DE" smtClean="0"/>
-              <a:t>02.11.2020</a:t>
+              <a:t>06.11.2020</a:t>
             </a:fld>
             <a:endParaRPr lang="de-DE"/>
           </a:p>
@@ -2074,7 +2075,7 @@
           <a:p>
             <a:fld id="{DD9F79B8-BF5A-41B3-886C-350C07B19794}" type="datetimeFigureOut">
               <a:rPr lang="de-DE" smtClean="0"/>
-              <a:t>02.11.2020</a:t>
+              <a:t>06.11.2020</a:t>
             </a:fld>
             <a:endParaRPr lang="de-DE"/>
           </a:p>
@@ -2385,7 +2386,7 @@
           <a:p>
             <a:fld id="{DD9F79B8-BF5A-41B3-886C-350C07B19794}" type="datetimeFigureOut">
               <a:rPr lang="de-DE" smtClean="0"/>
-              <a:t>02.11.2020</a:t>
+              <a:t>06.11.2020</a:t>
             </a:fld>
             <a:endParaRPr lang="de-DE"/>
           </a:p>
@@ -2673,7 +2674,7 @@
           <a:p>
             <a:fld id="{DD9F79B8-BF5A-41B3-886C-350C07B19794}" type="datetimeFigureOut">
               <a:rPr lang="de-DE" smtClean="0"/>
-              <a:t>02.11.2020</a:t>
+              <a:t>06.11.2020</a:t>
             </a:fld>
             <a:endParaRPr lang="de-DE"/>
           </a:p>
@@ -2914,7 +2915,7 @@
           <a:p>
             <a:fld id="{DD9F79B8-BF5A-41B3-886C-350C07B19794}" type="datetimeFigureOut">
               <a:rPr lang="de-DE" smtClean="0"/>
-              <a:t>02.11.2020</a:t>
+              <a:t>06.11.2020</a:t>
             </a:fld>
             <a:endParaRPr lang="de-DE"/>
           </a:p>
@@ -5179,10 +5180,45 @@
       </p:sp>
       <p:sp>
         <p:nvSpPr>
-          <p:cNvPr id="38" name="Rechteck: abgerundete Ecken 37">
-            <a:extLst>
-              <a:ext uri="{FF2B5EF4-FFF2-40B4-BE49-F238E27FC236}">
-                <a16:creationId xmlns:a16="http://schemas.microsoft.com/office/drawing/2014/main" id="{B38DB3DD-CB0C-4E3F-8E0C-EE1F68D6ACE4}"/>
+          <p:cNvPr id="6" name="Textfeld 5">
+            <a:extLst>
+              <a:ext uri="{FF2B5EF4-FFF2-40B4-BE49-F238E27FC236}">
+                <a16:creationId xmlns:a16="http://schemas.microsoft.com/office/drawing/2014/main" id="{9FD03A9A-22D8-485A-BBF1-F3C534B5794C}"/>
+              </a:ext>
+            </a:extLst>
+          </p:cNvPr>
+          <p:cNvSpPr txBox="1"/>
+          <p:nvPr/>
+        </p:nvSpPr>
+        <p:spPr>
+          <a:xfrm>
+            <a:off x="3937518" y="335902"/>
+            <a:ext cx="7986034" cy="369332"/>
+          </a:xfrm>
+          <a:prstGeom prst="rect">
+            <a:avLst/>
+          </a:prstGeom>
+          <a:noFill/>
+        </p:spPr>
+        <p:txBody>
+          <a:bodyPr wrap="square" rtlCol="0">
+            <a:spAutoFit/>
+          </a:bodyPr>
+          <a:lstStyle/>
+          <a:p>
+            <a:r>
+              <a:rPr lang="de-DE"/>
+              <a:t>Temperature-Adjust-Activity</a:t>
+            </a:r>
+          </a:p>
+        </p:txBody>
+      </p:sp>
+      <p:sp>
+        <p:nvSpPr>
+          <p:cNvPr id="8" name="Rechteck: abgerundete Ecken 7">
+            <a:extLst>
+              <a:ext uri="{FF2B5EF4-FFF2-40B4-BE49-F238E27FC236}">
+                <a16:creationId xmlns:a16="http://schemas.microsoft.com/office/drawing/2014/main" id="{FA2F21F5-7470-4735-B0BC-5F2E9E4FCF63}"/>
               </a:ext>
             </a:extLst>
           </p:cNvPr>
@@ -5191,15 +5227,85 @@
         </p:nvSpPr>
         <p:spPr>
           <a:xfrm>
-            <a:off x="360727" y="2269779"/>
-            <a:ext cx="3036814" cy="511729"/>
+            <a:off x="457200" y="2202024"/>
+            <a:ext cx="2789853" cy="251927"/>
           </a:xfrm>
           <a:prstGeom prst="roundRect">
             <a:avLst/>
           </a:prstGeom>
+          <a:gradFill flip="none" rotWithShape="1">
+            <a:gsLst>
+              <a:gs pos="62000">
+                <a:schemeClr val="accent1">
+                  <a:tint val="66000"/>
+                  <a:satMod val="160000"/>
+                </a:schemeClr>
+              </a:gs>
+              <a:gs pos="0">
+                <a:srgbClr val="BFCBF8"/>
+              </a:gs>
+              <a:gs pos="100000">
+                <a:srgbClr val="FF0000"/>
+              </a:gs>
+            </a:gsLst>
+            <a:lin ang="0" scaled="1"/>
+            <a:tileRect/>
+          </a:gradFill>
+          <a:ln>
+            <a:noFill/>
+          </a:ln>
+        </p:spPr>
+        <p:style>
+          <a:lnRef idx="2">
+            <a:schemeClr val="accent1">
+              <a:shade val="50000"/>
+            </a:schemeClr>
+          </a:lnRef>
+          <a:fillRef idx="1">
+            <a:schemeClr val="accent1"/>
+          </a:fillRef>
+          <a:effectRef idx="0">
+            <a:schemeClr val="accent1"/>
+          </a:effectRef>
+          <a:fontRef idx="minor">
+            <a:schemeClr val="lt1"/>
+          </a:fontRef>
+        </p:style>
+        <p:txBody>
+          <a:bodyPr rtlCol="0" anchor="ctr"/>
+          <a:lstStyle/>
+          <a:p>
+            <a:pPr algn="ctr"/>
+            <a:endParaRPr lang="de-DE"/>
+          </a:p>
+        </p:txBody>
+      </p:sp>
+      <p:sp>
+        <p:nvSpPr>
+          <p:cNvPr id="15" name="Rechteck 14">
+            <a:extLst>
+              <a:ext uri="{FF2B5EF4-FFF2-40B4-BE49-F238E27FC236}">
+                <a16:creationId xmlns:a16="http://schemas.microsoft.com/office/drawing/2014/main" id="{4A02B75E-7F9F-4B32-ACFB-99ADCC60A238}"/>
+              </a:ext>
+            </a:extLst>
+          </p:cNvPr>
+          <p:cNvSpPr/>
+          <p:nvPr/>
+        </p:nvSpPr>
+        <p:spPr>
+          <a:xfrm>
+            <a:off x="457200" y="1847461"/>
+            <a:ext cx="2789853" cy="354563"/>
+          </a:xfrm>
+          <a:prstGeom prst="rect">
+            <a:avLst/>
+          </a:prstGeom>
           <a:solidFill>
-            <a:srgbClr val="92D050"/>
+            <a:schemeClr val="bg1"/>
           </a:solidFill>
+          <a:ln>
+            <a:noFill/>
+          </a:ln>
         </p:spPr>
         <p:style>
           <a:lnRef idx="2">
@@ -5228,17 +5334,17 @@
                   <a:schemeClr val="tx1"/>
                 </a:solidFill>
               </a:rPr>
-              <a:t>In</a:t>
-            </a:r>
-          </a:p>
-        </p:txBody>
-      </p:sp>
-      <p:sp>
-        <p:nvSpPr>
-          <p:cNvPr id="42" name="Rechteck: abgerundete Ecken 41">
-            <a:extLst>
-              <a:ext uri="{FF2B5EF4-FFF2-40B4-BE49-F238E27FC236}">
-                <a16:creationId xmlns:a16="http://schemas.microsoft.com/office/drawing/2014/main" id="{DCA11977-A131-428D-8C86-A93D1A67D37B}"/>
+              <a:t>Temperature:</a:t>
+            </a:r>
+          </a:p>
+        </p:txBody>
+      </p:sp>
+      <p:sp>
+        <p:nvSpPr>
+          <p:cNvPr id="9" name="Rechteck: abgerundete Ecken 8">
+            <a:extLst>
+              <a:ext uri="{FF2B5EF4-FFF2-40B4-BE49-F238E27FC236}">
+                <a16:creationId xmlns:a16="http://schemas.microsoft.com/office/drawing/2014/main" id="{1C4CC695-9360-4FFE-AD5B-4A9A35AA2206}"/>
               </a:ext>
             </a:extLst>
           </p:cNvPr>
@@ -5247,36 +5353,15 @@
         </p:nvSpPr>
         <p:spPr>
           <a:xfrm>
-            <a:off x="360727" y="2911398"/>
-            <a:ext cx="3036814" cy="511729"/>
+            <a:off x="1110342" y="2150706"/>
+            <a:ext cx="114776" cy="354563"/>
           </a:xfrm>
           <a:prstGeom prst="roundRect">
             <a:avLst/>
           </a:prstGeom>
-          <a:gradFill flip="none" rotWithShape="1">
-            <a:gsLst>
-              <a:gs pos="0">
-                <a:schemeClr val="bg1">
-                  <a:shade val="30000"/>
-                  <a:satMod val="115000"/>
-                </a:schemeClr>
-              </a:gs>
-              <a:gs pos="50000">
-                <a:schemeClr val="bg1">
-                  <a:shade val="67500"/>
-                  <a:satMod val="115000"/>
-                </a:schemeClr>
-              </a:gs>
-              <a:gs pos="100000">
-                <a:schemeClr val="bg1">
-                  <a:shade val="100000"/>
-                  <a:satMod val="115000"/>
-                </a:schemeClr>
-              </a:gs>
-            </a:gsLst>
-            <a:lin ang="2700000" scaled="1"/>
-            <a:tileRect/>
-          </a:gradFill>
+          <a:solidFill>
+            <a:srgbClr val="92D050"/>
+          </a:solidFill>
         </p:spPr>
         <p:style>
           <a:lnRef idx="2">
@@ -5299,259 +5384,7 @@
           <a:lstStyle/>
           <a:p>
             <a:pPr algn="ctr"/>
-            <a:r>
-              <a:rPr lang="de-DE">
-                <a:solidFill>
-                  <a:schemeClr val="tx1"/>
-                </a:solidFill>
-              </a:rPr>
-              <a:t>Out</a:t>
-            </a:r>
-          </a:p>
-        </p:txBody>
-      </p:sp>
-      <p:sp>
-        <p:nvSpPr>
-          <p:cNvPr id="43" name="Rechteck: abgerundete Ecken 42">
-            <a:extLst>
-              <a:ext uri="{FF2B5EF4-FFF2-40B4-BE49-F238E27FC236}">
-                <a16:creationId xmlns:a16="http://schemas.microsoft.com/office/drawing/2014/main" id="{0879F8FB-66B3-4451-9F80-77041636CC61}"/>
-              </a:ext>
-            </a:extLst>
-          </p:cNvPr>
-          <p:cNvSpPr/>
-          <p:nvPr/>
-        </p:nvSpPr>
-        <p:spPr>
-          <a:xfrm>
-            <a:off x="360727" y="3549102"/>
-            <a:ext cx="3036814" cy="511729"/>
-          </a:xfrm>
-          <a:prstGeom prst="roundRect">
-            <a:avLst/>
-          </a:prstGeom>
-          <a:gradFill flip="none" rotWithShape="1">
-            <a:gsLst>
-              <a:gs pos="0">
-                <a:schemeClr val="bg1">
-                  <a:shade val="30000"/>
-                  <a:satMod val="115000"/>
-                </a:schemeClr>
-              </a:gs>
-              <a:gs pos="50000">
-                <a:schemeClr val="bg1">
-                  <a:shade val="67500"/>
-                  <a:satMod val="115000"/>
-                </a:schemeClr>
-              </a:gs>
-              <a:gs pos="100000">
-                <a:schemeClr val="bg1">
-                  <a:shade val="100000"/>
-                  <a:satMod val="115000"/>
-                </a:schemeClr>
-              </a:gs>
-            </a:gsLst>
-            <a:lin ang="2700000" scaled="1"/>
-            <a:tileRect/>
-          </a:gradFill>
-        </p:spPr>
-        <p:style>
-          <a:lnRef idx="2">
-            <a:schemeClr val="accent1">
-              <a:shade val="50000"/>
-            </a:schemeClr>
-          </a:lnRef>
-          <a:fillRef idx="1">
-            <a:schemeClr val="accent1"/>
-          </a:fillRef>
-          <a:effectRef idx="0">
-            <a:schemeClr val="accent1"/>
-          </a:effectRef>
-          <a:fontRef idx="minor">
-            <a:schemeClr val="lt1"/>
-          </a:fontRef>
-        </p:style>
-        <p:txBody>
-          <a:bodyPr rtlCol="0" anchor="ctr"/>
-          <a:lstStyle/>
-          <a:p>
-            <a:pPr algn="ctr"/>
-            <a:r>
-              <a:rPr lang="de-DE">
-                <a:solidFill>
-                  <a:schemeClr val="tx1"/>
-                </a:solidFill>
-              </a:rPr>
-              <a:t>Netflix &amp; Chill</a:t>
-            </a:r>
-          </a:p>
-        </p:txBody>
-      </p:sp>
-      <p:sp>
-        <p:nvSpPr>
-          <p:cNvPr id="7" name="Additionszeichen 6">
-            <a:extLst>
-              <a:ext uri="{FF2B5EF4-FFF2-40B4-BE49-F238E27FC236}">
-                <a16:creationId xmlns:a16="http://schemas.microsoft.com/office/drawing/2014/main" id="{18A16559-F2FA-4C72-B34B-85EBF8CF73F6}"/>
-              </a:ext>
-            </a:extLst>
-          </p:cNvPr>
-          <p:cNvSpPr/>
-          <p:nvPr/>
-        </p:nvSpPr>
-        <p:spPr>
-          <a:xfrm>
-            <a:off x="2148494" y="1545566"/>
-            <a:ext cx="288000" cy="288000"/>
-          </a:xfrm>
-          <a:prstGeom prst="mathPlus">
-            <a:avLst/>
-          </a:prstGeom>
-        </p:spPr>
-        <p:style>
-          <a:lnRef idx="2">
-            <a:schemeClr val="accent1">
-              <a:shade val="50000"/>
-            </a:schemeClr>
-          </a:lnRef>
-          <a:fillRef idx="1">
-            <a:schemeClr val="accent1"/>
-          </a:fillRef>
-          <a:effectRef idx="0">
-            <a:schemeClr val="accent1"/>
-          </a:effectRef>
-          <a:fontRef idx="minor">
-            <a:schemeClr val="lt1"/>
-          </a:fontRef>
-        </p:style>
-        <p:txBody>
-          <a:bodyPr rtlCol="0" anchor="ctr"/>
-          <a:lstStyle/>
-          <a:p>
-            <a:pPr algn="ctr"/>
-            <a:endParaRPr lang="de-DE"/>
-          </a:p>
-        </p:txBody>
-      </p:sp>
-      <p:sp>
-        <p:nvSpPr>
-          <p:cNvPr id="3" name="Textfeld 2">
-            <a:extLst>
-              <a:ext uri="{FF2B5EF4-FFF2-40B4-BE49-F238E27FC236}">
-                <a16:creationId xmlns:a16="http://schemas.microsoft.com/office/drawing/2014/main" id="{25424D17-794B-419D-98F6-567BEBCB5D08}"/>
-              </a:ext>
-            </a:extLst>
-          </p:cNvPr>
-          <p:cNvSpPr txBox="1"/>
-          <p:nvPr/>
-        </p:nvSpPr>
-        <p:spPr>
-          <a:xfrm>
-            <a:off x="2380392" y="1503788"/>
-            <a:ext cx="1287677" cy="369332"/>
-          </a:xfrm>
-          <a:prstGeom prst="rect">
-            <a:avLst/>
-          </a:prstGeom>
-          <a:noFill/>
-        </p:spPr>
-        <p:txBody>
-          <a:bodyPr wrap="square" rtlCol="0">
-            <a:spAutoFit/>
-          </a:bodyPr>
-          <a:lstStyle/>
-          <a:p>
-            <a:r>
-              <a:rPr lang="de-DE"/>
-              <a:t>New State</a:t>
-            </a:r>
-          </a:p>
-        </p:txBody>
-      </p:sp>
-      <p:sp>
-        <p:nvSpPr>
-          <p:cNvPr id="5" name="Rechteck: abgerundete Ecken 4">
-            <a:extLst>
-              <a:ext uri="{FF2B5EF4-FFF2-40B4-BE49-F238E27FC236}">
-                <a16:creationId xmlns:a16="http://schemas.microsoft.com/office/drawing/2014/main" id="{DFEEC51E-D0C0-495F-AE6D-8BA49E60C6B9}"/>
-              </a:ext>
-            </a:extLst>
-          </p:cNvPr>
-          <p:cNvSpPr/>
-          <p:nvPr/>
-        </p:nvSpPr>
-        <p:spPr>
-          <a:xfrm>
-            <a:off x="2101442" y="1503787"/>
-            <a:ext cx="1388378" cy="408888"/>
-          </a:xfrm>
-          <a:prstGeom prst="roundRect">
-            <a:avLst/>
-          </a:prstGeom>
-          <a:noFill/>
-          <a:ln w="31750">
-            <a:solidFill>
-              <a:schemeClr val="tx1"/>
-            </a:solidFill>
-          </a:ln>
-        </p:spPr>
-        <p:style>
-          <a:lnRef idx="2">
-            <a:schemeClr val="accent1">
-              <a:shade val="50000"/>
-            </a:schemeClr>
-          </a:lnRef>
-          <a:fillRef idx="1">
-            <a:schemeClr val="accent1"/>
-          </a:fillRef>
-          <a:effectRef idx="0">
-            <a:schemeClr val="accent1"/>
-          </a:effectRef>
-          <a:fontRef idx="minor">
-            <a:schemeClr val="lt1"/>
-          </a:fontRef>
-        </p:style>
-        <p:txBody>
-          <a:bodyPr rtlCol="0" anchor="ctr"/>
-          <a:lstStyle/>
-          <a:p>
-            <a:pPr algn="ctr"/>
-            <a:endParaRPr lang="de-DE"/>
-          </a:p>
-        </p:txBody>
-      </p:sp>
-      <p:sp>
-        <p:nvSpPr>
-          <p:cNvPr id="6" name="Textfeld 5">
-            <a:extLst>
-              <a:ext uri="{FF2B5EF4-FFF2-40B4-BE49-F238E27FC236}">
-                <a16:creationId xmlns:a16="http://schemas.microsoft.com/office/drawing/2014/main" id="{9FD03A9A-22D8-485A-BBF1-F3C534B5794C}"/>
-              </a:ext>
-            </a:extLst>
-          </p:cNvPr>
-          <p:cNvSpPr txBox="1"/>
-          <p:nvPr/>
-        </p:nvSpPr>
-        <p:spPr>
-          <a:xfrm>
-            <a:off x="3937518" y="335902"/>
-            <a:ext cx="7986034" cy="369332"/>
-          </a:xfrm>
-          <a:prstGeom prst="rect">
-            <a:avLst/>
-          </a:prstGeom>
-          <a:noFill/>
-        </p:spPr>
-        <p:txBody>
-          <a:bodyPr wrap="square" rtlCol="0">
-            <a:spAutoFit/>
-          </a:bodyPr>
-          <a:lstStyle/>
-          <a:p>
-            <a:r>
-              <a:rPr lang="de-DE"/>
-              <a:t>Temperature-Adjust-Activity</a:t>
-            </a:r>
+            <a:endParaRPr lang="de-DE"/>
           </a:p>
         </p:txBody>
       </p:sp>
@@ -6002,76 +5835,52 @@
                   <a:schemeClr val="tx1"/>
                 </a:solidFill>
               </a:rPr>
-              <a:t>Light Regulation</a:t>
-            </a:r>
-          </a:p>
-        </p:txBody>
-      </p:sp>
-      <p:sp>
-        <p:nvSpPr>
-          <p:cNvPr id="3" name="Rechteck 2">
-            <a:extLst>
-              <a:ext uri="{FF2B5EF4-FFF2-40B4-BE49-F238E27FC236}">
-                <a16:creationId xmlns:a16="http://schemas.microsoft.com/office/drawing/2014/main" id="{202C2CB4-6DE5-4C34-B005-DAED9124288A}"/>
-              </a:ext>
-            </a:extLst>
-          </p:cNvPr>
-          <p:cNvSpPr/>
-          <p:nvPr/>
-        </p:nvSpPr>
-        <p:spPr>
-          <a:xfrm>
-            <a:off x="457200" y="1847461"/>
-            <a:ext cx="2789853" cy="354563"/>
+              <a:t>Temperature Regulation</a:t>
+            </a:r>
+          </a:p>
+        </p:txBody>
+      </p:sp>
+      <p:sp>
+        <p:nvSpPr>
+          <p:cNvPr id="6" name="Textfeld 5">
+            <a:extLst>
+              <a:ext uri="{FF2B5EF4-FFF2-40B4-BE49-F238E27FC236}">
+                <a16:creationId xmlns:a16="http://schemas.microsoft.com/office/drawing/2014/main" id="{9FD03A9A-22D8-485A-BBF1-F3C534B5794C}"/>
+              </a:ext>
+            </a:extLst>
+          </p:cNvPr>
+          <p:cNvSpPr txBox="1"/>
+          <p:nvPr/>
+        </p:nvSpPr>
+        <p:spPr>
+          <a:xfrm>
+            <a:off x="3937518" y="335902"/>
+            <a:ext cx="7986034" cy="369332"/>
           </a:xfrm>
           <a:prstGeom prst="rect">
             <a:avLst/>
           </a:prstGeom>
-          <a:solidFill>
-            <a:schemeClr val="bg1"/>
-          </a:solidFill>
-          <a:ln>
-            <a:noFill/>
-          </a:ln>
-        </p:spPr>
-        <p:style>
-          <a:lnRef idx="2">
-            <a:schemeClr val="accent1">
-              <a:shade val="50000"/>
-            </a:schemeClr>
-          </a:lnRef>
-          <a:fillRef idx="1">
-            <a:schemeClr val="accent1"/>
-          </a:fillRef>
-          <a:effectRef idx="0">
-            <a:schemeClr val="accent1"/>
-          </a:effectRef>
-          <a:fontRef idx="minor">
-            <a:schemeClr val="lt1"/>
-          </a:fontRef>
-        </p:style>
-        <p:txBody>
-          <a:bodyPr rtlCol="0" anchor="ctr"/>
-          <a:lstStyle/>
-          <a:p>
-            <a:pPr algn="ctr"/>
-            <a:r>
-              <a:rPr lang="de-DE">
-                <a:solidFill>
-                  <a:schemeClr val="tx1"/>
-                </a:solidFill>
-              </a:rPr>
-              <a:t>Intensity:</a:t>
-            </a:r>
-          </a:p>
-        </p:txBody>
-      </p:sp>
-      <p:sp>
-        <p:nvSpPr>
-          <p:cNvPr id="5" name="Rechteck: abgerundete Ecken 4">
-            <a:extLst>
-              <a:ext uri="{FF2B5EF4-FFF2-40B4-BE49-F238E27FC236}">
-                <a16:creationId xmlns:a16="http://schemas.microsoft.com/office/drawing/2014/main" id="{6478CBF6-7C99-449C-B6C8-E44E1808921C}"/>
+          <a:noFill/>
+        </p:spPr>
+        <p:txBody>
+          <a:bodyPr wrap="square" rtlCol="0">
+            <a:spAutoFit/>
+          </a:bodyPr>
+          <a:lstStyle/>
+          <a:p>
+            <a:r>
+              <a:rPr lang="de-DE"/>
+              <a:t>Concurrent-Temperature-Adjust</a:t>
+            </a:r>
+          </a:p>
+        </p:txBody>
+      </p:sp>
+      <p:sp>
+        <p:nvSpPr>
+          <p:cNvPr id="8" name="Rechteck: abgerundete Ecken 7">
+            <a:extLst>
+              <a:ext uri="{FF2B5EF4-FFF2-40B4-BE49-F238E27FC236}">
+                <a16:creationId xmlns:a16="http://schemas.microsoft.com/office/drawing/2014/main" id="{FA2F21F5-7470-4735-B0BC-5F2E9E4FCF63}"/>
               </a:ext>
             </a:extLst>
           </p:cNvPr>
@@ -6135,10 +5944,10 @@
       </p:sp>
       <p:sp>
         <p:nvSpPr>
-          <p:cNvPr id="6" name="Rechteck: abgerundete Ecken 5">
-            <a:extLst>
-              <a:ext uri="{FF2B5EF4-FFF2-40B4-BE49-F238E27FC236}">
-                <a16:creationId xmlns:a16="http://schemas.microsoft.com/office/drawing/2014/main" id="{5C97E7DF-C04D-4BA2-A814-4E23E5EC7FF1}"/>
+          <p:cNvPr id="15" name="Rechteck 14">
+            <a:extLst>
+              <a:ext uri="{FF2B5EF4-FFF2-40B4-BE49-F238E27FC236}">
+                <a16:creationId xmlns:a16="http://schemas.microsoft.com/office/drawing/2014/main" id="{4A02B75E-7F9F-4B32-ACFB-99ADCC60A238}"/>
               </a:ext>
             </a:extLst>
           </p:cNvPr>
@@ -6147,212 +5956,7 @@
         </p:nvSpPr>
         <p:spPr>
           <a:xfrm>
-            <a:off x="1110342" y="2150706"/>
-            <a:ext cx="121298" cy="354563"/>
-          </a:xfrm>
-          <a:prstGeom prst="roundRect">
-            <a:avLst/>
-          </a:prstGeom>
-          <a:solidFill>
-            <a:srgbClr val="92D050"/>
-          </a:solidFill>
-        </p:spPr>
-        <p:style>
-          <a:lnRef idx="2">
-            <a:schemeClr val="accent1">
-              <a:shade val="50000"/>
-            </a:schemeClr>
-          </a:lnRef>
-          <a:fillRef idx="1">
-            <a:schemeClr val="accent1"/>
-          </a:fillRef>
-          <a:effectRef idx="0">
-            <a:schemeClr val="accent1"/>
-          </a:effectRef>
-          <a:fontRef idx="minor">
-            <a:schemeClr val="lt1"/>
-          </a:fontRef>
-        </p:style>
-        <p:txBody>
-          <a:bodyPr rtlCol="0" anchor="ctr"/>
-          <a:lstStyle/>
-          <a:p>
-            <a:pPr algn="ctr"/>
-            <a:endParaRPr lang="de-DE"/>
-          </a:p>
-        </p:txBody>
-      </p:sp>
-      <p:cxnSp>
-        <p:nvCxnSpPr>
-          <p:cNvPr id="8" name="Gerader Verbinder 7">
-            <a:extLst>
-              <a:ext uri="{FF2B5EF4-FFF2-40B4-BE49-F238E27FC236}">
-                <a16:creationId xmlns:a16="http://schemas.microsoft.com/office/drawing/2014/main" id="{17453204-581F-4BCC-BE61-8C3F5AA0F947}"/>
-              </a:ext>
-            </a:extLst>
-          </p:cNvPr>
-          <p:cNvCxnSpPr>
-            <a:cxnSpLocks/>
-          </p:cNvCxnSpPr>
-          <p:nvPr/>
-        </p:nvCxnSpPr>
-        <p:spPr>
-          <a:xfrm>
-            <a:off x="466531" y="2134377"/>
-            <a:ext cx="0" cy="387220"/>
-          </a:xfrm>
-          <a:prstGeom prst="line">
-            <a:avLst/>
-          </a:prstGeom>
-          <a:ln w="25400">
-            <a:solidFill>
-              <a:schemeClr val="tx1"/>
-            </a:solidFill>
-          </a:ln>
-        </p:spPr>
-        <p:style>
-          <a:lnRef idx="1">
-            <a:schemeClr val="accent1"/>
-          </a:lnRef>
-          <a:fillRef idx="0">
-            <a:schemeClr val="accent1"/>
-          </a:fillRef>
-          <a:effectRef idx="0">
-            <a:schemeClr val="accent1"/>
-          </a:effectRef>
-          <a:fontRef idx="minor">
-            <a:schemeClr val="tx1"/>
-          </a:fontRef>
-        </p:style>
-      </p:cxnSp>
-      <p:cxnSp>
-        <p:nvCxnSpPr>
-          <p:cNvPr id="20" name="Gerader Verbinder 19">
-            <a:extLst>
-              <a:ext uri="{FF2B5EF4-FFF2-40B4-BE49-F238E27FC236}">
-                <a16:creationId xmlns:a16="http://schemas.microsoft.com/office/drawing/2014/main" id="{222430BA-D939-4349-B2F5-47502C122154}"/>
-              </a:ext>
-            </a:extLst>
-          </p:cNvPr>
-          <p:cNvCxnSpPr>
-            <a:cxnSpLocks/>
-          </p:cNvCxnSpPr>
-          <p:nvPr/>
-        </p:nvCxnSpPr>
-        <p:spPr>
-          <a:xfrm>
-            <a:off x="3247053" y="2150706"/>
-            <a:ext cx="0" cy="387220"/>
-          </a:xfrm>
-          <a:prstGeom prst="line">
-            <a:avLst/>
-          </a:prstGeom>
-          <a:ln w="25400">
-            <a:solidFill>
-              <a:schemeClr val="tx1"/>
-            </a:solidFill>
-          </a:ln>
-        </p:spPr>
-        <p:style>
-          <a:lnRef idx="1">
-            <a:schemeClr val="accent1"/>
-          </a:lnRef>
-          <a:fillRef idx="0">
-            <a:schemeClr val="accent1"/>
-          </a:fillRef>
-          <a:effectRef idx="0">
-            <a:schemeClr val="accent1"/>
-          </a:effectRef>
-          <a:fontRef idx="minor">
-            <a:schemeClr val="tx1"/>
-          </a:fontRef>
-        </p:style>
-      </p:cxnSp>
-      <p:sp>
-        <p:nvSpPr>
-          <p:cNvPr id="21" name="Textfeld 20">
-            <a:extLst>
-              <a:ext uri="{FF2B5EF4-FFF2-40B4-BE49-F238E27FC236}">
-                <a16:creationId xmlns:a16="http://schemas.microsoft.com/office/drawing/2014/main" id="{139303CF-C36B-43E1-BD4E-6CCA81ACAC8A}"/>
-              </a:ext>
-            </a:extLst>
-          </p:cNvPr>
-          <p:cNvSpPr txBox="1"/>
-          <p:nvPr/>
-        </p:nvSpPr>
-        <p:spPr>
-          <a:xfrm>
-            <a:off x="226696" y="2481658"/>
-            <a:ext cx="488756" cy="369332"/>
-          </a:xfrm>
-          <a:prstGeom prst="rect">
-            <a:avLst/>
-          </a:prstGeom>
-          <a:noFill/>
-        </p:spPr>
-        <p:txBody>
-          <a:bodyPr wrap="square" rtlCol="0">
-            <a:spAutoFit/>
-          </a:bodyPr>
-          <a:lstStyle/>
-          <a:p>
-            <a:r>
-              <a:rPr lang="de-DE"/>
-              <a:t>off</a:t>
-            </a:r>
-          </a:p>
-        </p:txBody>
-      </p:sp>
-      <p:sp>
-        <p:nvSpPr>
-          <p:cNvPr id="22" name="Textfeld 21">
-            <a:extLst>
-              <a:ext uri="{FF2B5EF4-FFF2-40B4-BE49-F238E27FC236}">
-                <a16:creationId xmlns:a16="http://schemas.microsoft.com/office/drawing/2014/main" id="{76C95E3C-D48C-4DD1-AE12-0349179456A2}"/>
-              </a:ext>
-            </a:extLst>
-          </p:cNvPr>
-          <p:cNvSpPr txBox="1"/>
-          <p:nvPr/>
-        </p:nvSpPr>
-        <p:spPr>
-          <a:xfrm>
-            <a:off x="3049398" y="2481658"/>
-            <a:ext cx="471824" cy="369332"/>
-          </a:xfrm>
-          <a:prstGeom prst="rect">
-            <a:avLst/>
-          </a:prstGeom>
-          <a:noFill/>
-        </p:spPr>
-        <p:txBody>
-          <a:bodyPr wrap="square" rtlCol="0">
-            <a:spAutoFit/>
-          </a:bodyPr>
-          <a:lstStyle/>
-          <a:p>
-            <a:r>
-              <a:rPr lang="de-DE"/>
-              <a:t>on</a:t>
-            </a:r>
-          </a:p>
-        </p:txBody>
-      </p:sp>
-      <p:sp>
-        <p:nvSpPr>
-          <p:cNvPr id="23" name="Rechteck 22">
-            <a:extLst>
-              <a:ext uri="{FF2B5EF4-FFF2-40B4-BE49-F238E27FC236}">
-                <a16:creationId xmlns:a16="http://schemas.microsoft.com/office/drawing/2014/main" id="{D62169B8-9DEC-4EA7-B83A-8636CAE726B7}"/>
-              </a:ext>
-            </a:extLst>
-          </p:cNvPr>
-          <p:cNvSpPr/>
-          <p:nvPr/>
-        </p:nvSpPr>
-        <p:spPr>
-          <a:xfrm>
-            <a:off x="451187" y="2871493"/>
+            <a:off x="457200" y="1847461"/>
             <a:ext cx="2789853" cy="354563"/>
           </a:xfrm>
           <a:prstGeom prst="rect">
@@ -6385,241 +5989,36 @@
           <a:bodyPr rtlCol="0" anchor="ctr"/>
           <a:lstStyle/>
           <a:p>
+            <a:pPr algn="ctr"/>
             <a:r>
               <a:rPr lang="de-DE">
                 <a:solidFill>
                   <a:schemeClr val="tx1"/>
                 </a:solidFill>
               </a:rPr>
-              <a:t>Colorpicker:</a:t>
-            </a:r>
-          </a:p>
-        </p:txBody>
-      </p:sp>
-      <p:sp>
-        <p:nvSpPr>
-          <p:cNvPr id="25" name="Ellipse 24">
-            <a:extLst>
-              <a:ext uri="{FF2B5EF4-FFF2-40B4-BE49-F238E27FC236}">
-                <a16:creationId xmlns:a16="http://schemas.microsoft.com/office/drawing/2014/main" id="{4AEF7D4D-1B83-418E-B081-E4B6A3627317}"/>
-              </a:ext>
-            </a:extLst>
-          </p:cNvPr>
-          <p:cNvSpPr>
-            <a:spLocks noChangeAspect="1"/>
-          </p:cNvSpPr>
-          <p:nvPr/>
-        </p:nvSpPr>
-        <p:spPr>
-          <a:xfrm>
-            <a:off x="589452" y="3369547"/>
-            <a:ext cx="252000" cy="252000"/>
-          </a:xfrm>
-          <a:prstGeom prst="ellipse">
-            <a:avLst/>
-          </a:prstGeom>
-          <a:solidFill>
-            <a:srgbClr val="1AEE70"/>
-          </a:solidFill>
-        </p:spPr>
-        <p:style>
-          <a:lnRef idx="2">
-            <a:schemeClr val="accent1">
-              <a:shade val="50000"/>
-            </a:schemeClr>
-          </a:lnRef>
-          <a:fillRef idx="1">
-            <a:schemeClr val="accent1"/>
-          </a:fillRef>
-          <a:effectRef idx="0">
-            <a:schemeClr val="accent1"/>
-          </a:effectRef>
-          <a:fontRef idx="minor">
-            <a:schemeClr val="lt1"/>
-          </a:fontRef>
-        </p:style>
-        <p:txBody>
-          <a:bodyPr rtlCol="0" anchor="ctr"/>
-          <a:lstStyle/>
-          <a:p>
-            <a:pPr algn="ctr"/>
-            <a:endParaRPr lang="de-DE"/>
-          </a:p>
-        </p:txBody>
-      </p:sp>
-      <p:sp>
-        <p:nvSpPr>
-          <p:cNvPr id="26" name="Ellipse 25">
-            <a:extLst>
-              <a:ext uri="{FF2B5EF4-FFF2-40B4-BE49-F238E27FC236}">
-                <a16:creationId xmlns:a16="http://schemas.microsoft.com/office/drawing/2014/main" id="{5EF17DC8-3D23-4DBB-97A2-410454C370A8}"/>
-              </a:ext>
-            </a:extLst>
-          </p:cNvPr>
-          <p:cNvSpPr>
-            <a:spLocks noChangeAspect="1"/>
-          </p:cNvSpPr>
-          <p:nvPr/>
-        </p:nvSpPr>
-        <p:spPr>
-          <a:xfrm>
-            <a:off x="1048273" y="3369547"/>
-            <a:ext cx="252000" cy="252000"/>
-          </a:xfrm>
-          <a:prstGeom prst="ellipse">
-            <a:avLst/>
-          </a:prstGeom>
-          <a:solidFill>
-            <a:srgbClr val="FF0000"/>
-          </a:solidFill>
-        </p:spPr>
-        <p:style>
-          <a:lnRef idx="2">
-            <a:schemeClr val="accent1">
-              <a:shade val="50000"/>
-            </a:schemeClr>
-          </a:lnRef>
-          <a:fillRef idx="1">
-            <a:schemeClr val="accent1"/>
-          </a:fillRef>
-          <a:effectRef idx="0">
-            <a:schemeClr val="accent1"/>
-          </a:effectRef>
-          <a:fontRef idx="minor">
-            <a:schemeClr val="lt1"/>
-          </a:fontRef>
-        </p:style>
-        <p:txBody>
-          <a:bodyPr rtlCol="0" anchor="ctr"/>
-          <a:lstStyle/>
-          <a:p>
-            <a:pPr algn="ctr"/>
-            <a:endParaRPr lang="de-DE"/>
-          </a:p>
-        </p:txBody>
-      </p:sp>
-      <p:sp>
-        <p:nvSpPr>
-          <p:cNvPr id="27" name="Ellipse 26">
-            <a:extLst>
-              <a:ext uri="{FF2B5EF4-FFF2-40B4-BE49-F238E27FC236}">
-                <a16:creationId xmlns:a16="http://schemas.microsoft.com/office/drawing/2014/main" id="{A92B2FA2-8982-4DCD-B6FB-B5F558187CC3}"/>
-              </a:ext>
-            </a:extLst>
-          </p:cNvPr>
-          <p:cNvSpPr>
-            <a:spLocks noChangeAspect="1"/>
-          </p:cNvSpPr>
-          <p:nvPr/>
-        </p:nvSpPr>
-        <p:spPr>
-          <a:xfrm>
-            <a:off x="2840483" y="3369547"/>
-            <a:ext cx="252000" cy="252000"/>
-          </a:xfrm>
-          <a:prstGeom prst="ellipse">
-            <a:avLst/>
-          </a:prstGeom>
-          <a:solidFill>
-            <a:srgbClr val="00B0F0"/>
-          </a:solidFill>
-        </p:spPr>
-        <p:style>
-          <a:lnRef idx="2">
-            <a:schemeClr val="accent1">
-              <a:shade val="50000"/>
-            </a:schemeClr>
-          </a:lnRef>
-          <a:fillRef idx="1">
-            <a:schemeClr val="accent1"/>
-          </a:fillRef>
-          <a:effectRef idx="0">
-            <a:schemeClr val="accent1"/>
-          </a:effectRef>
-          <a:fontRef idx="minor">
-            <a:schemeClr val="lt1"/>
-          </a:fontRef>
-        </p:style>
-        <p:txBody>
-          <a:bodyPr rtlCol="0" anchor="ctr"/>
-          <a:lstStyle/>
-          <a:p>
-            <a:pPr algn="ctr"/>
-            <a:endParaRPr lang="de-DE"/>
-          </a:p>
-        </p:txBody>
-      </p:sp>
-      <p:sp>
-        <p:nvSpPr>
-          <p:cNvPr id="28" name="Ellipse 27">
-            <a:extLst>
-              <a:ext uri="{FF2B5EF4-FFF2-40B4-BE49-F238E27FC236}">
-                <a16:creationId xmlns:a16="http://schemas.microsoft.com/office/drawing/2014/main" id="{2408E974-ED74-4A0F-B971-5494ED52BF85}"/>
-              </a:ext>
-            </a:extLst>
-          </p:cNvPr>
-          <p:cNvSpPr>
-            <a:spLocks noChangeAspect="1"/>
-          </p:cNvSpPr>
-          <p:nvPr/>
-        </p:nvSpPr>
-        <p:spPr>
-          <a:xfrm>
-            <a:off x="2394125" y="3369547"/>
-            <a:ext cx="252000" cy="252000"/>
-          </a:xfrm>
-          <a:prstGeom prst="ellipse">
-            <a:avLst/>
-          </a:prstGeom>
-          <a:solidFill>
-            <a:srgbClr val="00B050"/>
-          </a:solidFill>
-        </p:spPr>
-        <p:style>
-          <a:lnRef idx="2">
-            <a:schemeClr val="accent1">
-              <a:shade val="50000"/>
-            </a:schemeClr>
-          </a:lnRef>
-          <a:fillRef idx="1">
-            <a:schemeClr val="accent1"/>
-          </a:fillRef>
-          <a:effectRef idx="0">
-            <a:schemeClr val="accent1"/>
-          </a:effectRef>
-          <a:fontRef idx="minor">
-            <a:schemeClr val="lt1"/>
-          </a:fontRef>
-        </p:style>
-        <p:txBody>
-          <a:bodyPr rtlCol="0" anchor="ctr"/>
-          <a:lstStyle/>
-          <a:p>
-            <a:pPr algn="ctr"/>
-            <a:endParaRPr lang="de-DE"/>
-          </a:p>
-        </p:txBody>
-      </p:sp>
-      <p:sp>
-        <p:nvSpPr>
-          <p:cNvPr id="29" name="Ellipse 28">
-            <a:extLst>
-              <a:ext uri="{FF2B5EF4-FFF2-40B4-BE49-F238E27FC236}">
-                <a16:creationId xmlns:a16="http://schemas.microsoft.com/office/drawing/2014/main" id="{F1462DAA-3CF1-4819-9F8A-7A150C291501}"/>
-              </a:ext>
-            </a:extLst>
-          </p:cNvPr>
-          <p:cNvSpPr>
-            <a:spLocks noChangeAspect="1"/>
-          </p:cNvSpPr>
-          <p:nvPr/>
-        </p:nvSpPr>
-        <p:spPr>
-          <a:xfrm>
-            <a:off x="1947767" y="3369547"/>
-            <a:ext cx="252000" cy="252000"/>
-          </a:xfrm>
-          <a:prstGeom prst="ellipse">
+              <a:t>Temperature: Processing </a:t>
+            </a:r>
+          </a:p>
+        </p:txBody>
+      </p:sp>
+      <p:sp>
+        <p:nvSpPr>
+          <p:cNvPr id="9" name="Rechteck: abgerundete Ecken 8">
+            <a:extLst>
+              <a:ext uri="{FF2B5EF4-FFF2-40B4-BE49-F238E27FC236}">
+                <a16:creationId xmlns:a16="http://schemas.microsoft.com/office/drawing/2014/main" id="{1C4CC695-9360-4FFE-AD5B-4A9A35AA2206}"/>
+              </a:ext>
+            </a:extLst>
+          </p:cNvPr>
+          <p:cNvSpPr/>
+          <p:nvPr/>
+        </p:nvSpPr>
+        <p:spPr>
+          <a:xfrm>
+            <a:off x="1110342" y="2150706"/>
+            <a:ext cx="114776" cy="354563"/>
+          </a:xfrm>
+          <a:prstGeom prst="roundRect">
             <a:avLst/>
           </a:prstGeom>
           <a:solidFill>
@@ -6653,28 +6052,28 @@
       </p:sp>
       <p:sp>
         <p:nvSpPr>
-          <p:cNvPr id="30" name="Ellipse 29">
-            <a:extLst>
-              <a:ext uri="{FF2B5EF4-FFF2-40B4-BE49-F238E27FC236}">
-                <a16:creationId xmlns:a16="http://schemas.microsoft.com/office/drawing/2014/main" id="{040DEC14-29A4-46C4-AACE-867B20DC0748}"/>
-              </a:ext>
-            </a:extLst>
-          </p:cNvPr>
-          <p:cNvSpPr>
-            <a:spLocks noChangeAspect="1"/>
-          </p:cNvSpPr>
-          <p:nvPr/>
-        </p:nvSpPr>
-        <p:spPr>
-          <a:xfrm>
-            <a:off x="1501409" y="3369547"/>
-            <a:ext cx="252000" cy="252000"/>
-          </a:xfrm>
-          <a:prstGeom prst="ellipse">
+          <p:cNvPr id="16" name="Rechteck: abgerundete Ecken 15">
+            <a:extLst>
+              <a:ext uri="{FF2B5EF4-FFF2-40B4-BE49-F238E27FC236}">
+                <a16:creationId xmlns:a16="http://schemas.microsoft.com/office/drawing/2014/main" id="{3C797ACA-993D-4A9A-8D68-4ACBBB969F7C}"/>
+              </a:ext>
+            </a:extLst>
+          </p:cNvPr>
+          <p:cNvSpPr/>
+          <p:nvPr/>
+        </p:nvSpPr>
+        <p:spPr>
+          <a:xfrm>
+            <a:off x="1878260" y="2150706"/>
+            <a:ext cx="114776" cy="354563"/>
+          </a:xfrm>
+          <a:prstGeom prst="roundRect">
             <a:avLst/>
           </a:prstGeom>
           <a:solidFill>
-            <a:srgbClr val="FFC000"/>
+            <a:schemeClr val="bg1">
+              <a:lumMod val="65000"/>
+            </a:schemeClr>
           </a:solidFill>
         </p:spPr>
         <p:style>
@@ -6702,532 +6101,49 @@
           </a:p>
         </p:txBody>
       </p:sp>
-      <p:sp>
-        <p:nvSpPr>
-          <p:cNvPr id="31" name="Ellipse 30">
-            <a:extLst>
-              <a:ext uri="{FF2B5EF4-FFF2-40B4-BE49-F238E27FC236}">
-                <a16:creationId xmlns:a16="http://schemas.microsoft.com/office/drawing/2014/main" id="{0055652F-46A4-4340-B5AF-DAC8EA42C2D7}"/>
-              </a:ext>
-            </a:extLst>
-          </p:cNvPr>
-          <p:cNvSpPr>
-            <a:spLocks noChangeAspect="1"/>
-          </p:cNvSpPr>
-          <p:nvPr/>
-        </p:nvSpPr>
-        <p:spPr>
-          <a:xfrm>
-            <a:off x="589452" y="3820224"/>
-            <a:ext cx="252000" cy="252000"/>
-          </a:xfrm>
-          <a:prstGeom prst="ellipse">
-            <a:avLst/>
-          </a:prstGeom>
-          <a:solidFill>
-            <a:srgbClr val="0070C0"/>
-          </a:solidFill>
-        </p:spPr>
-        <p:style>
-          <a:lnRef idx="2">
-            <a:schemeClr val="accent1">
-              <a:shade val="50000"/>
-            </a:schemeClr>
-          </a:lnRef>
-          <a:fillRef idx="1">
-            <a:schemeClr val="accent1"/>
-          </a:fillRef>
-          <a:effectRef idx="0">
-            <a:schemeClr val="accent1"/>
-          </a:effectRef>
-          <a:fontRef idx="minor">
-            <a:schemeClr val="lt1"/>
-          </a:fontRef>
-        </p:style>
-        <p:txBody>
-          <a:bodyPr rtlCol="0" anchor="ctr"/>
-          <a:lstStyle/>
-          <a:p>
-            <a:pPr algn="ctr"/>
-            <a:endParaRPr lang="de-DE"/>
-          </a:p>
-        </p:txBody>
-      </p:sp>
-      <p:sp>
-        <p:nvSpPr>
-          <p:cNvPr id="32" name="Ellipse 31">
-            <a:extLst>
-              <a:ext uri="{FF2B5EF4-FFF2-40B4-BE49-F238E27FC236}">
-                <a16:creationId xmlns:a16="http://schemas.microsoft.com/office/drawing/2014/main" id="{615E93D4-1537-4BE2-AA31-15E1E06010F3}"/>
-              </a:ext>
-            </a:extLst>
-          </p:cNvPr>
-          <p:cNvSpPr>
-            <a:spLocks noChangeAspect="1"/>
-          </p:cNvSpPr>
-          <p:nvPr/>
-        </p:nvSpPr>
-        <p:spPr>
-          <a:xfrm>
-            <a:off x="1048273" y="3820224"/>
-            <a:ext cx="252000" cy="252000"/>
-          </a:xfrm>
-          <a:prstGeom prst="ellipse">
-            <a:avLst/>
-          </a:prstGeom>
-          <a:solidFill>
-            <a:srgbClr val="002060"/>
-          </a:solidFill>
-        </p:spPr>
-        <p:style>
-          <a:lnRef idx="2">
-            <a:schemeClr val="accent1">
-              <a:shade val="50000"/>
-            </a:schemeClr>
-          </a:lnRef>
-          <a:fillRef idx="1">
-            <a:schemeClr val="accent1"/>
-          </a:fillRef>
-          <a:effectRef idx="0">
-            <a:schemeClr val="accent1"/>
-          </a:effectRef>
-          <a:fontRef idx="minor">
-            <a:schemeClr val="lt1"/>
-          </a:fontRef>
-        </p:style>
-        <p:txBody>
-          <a:bodyPr rtlCol="0" anchor="ctr"/>
-          <a:lstStyle/>
-          <a:p>
-            <a:pPr algn="ctr"/>
-            <a:endParaRPr lang="de-DE"/>
-          </a:p>
-        </p:txBody>
-      </p:sp>
-      <p:sp>
-        <p:nvSpPr>
-          <p:cNvPr id="33" name="Ellipse 32">
-            <a:extLst>
-              <a:ext uri="{FF2B5EF4-FFF2-40B4-BE49-F238E27FC236}">
-                <a16:creationId xmlns:a16="http://schemas.microsoft.com/office/drawing/2014/main" id="{EB0EEF40-44F2-4C1C-A99B-84C735315BD2}"/>
-              </a:ext>
-            </a:extLst>
-          </p:cNvPr>
-          <p:cNvSpPr>
-            <a:spLocks noChangeAspect="1"/>
-          </p:cNvSpPr>
-          <p:nvPr/>
-        </p:nvSpPr>
-        <p:spPr>
-          <a:xfrm>
-            <a:off x="2840483" y="3820224"/>
-            <a:ext cx="252000" cy="252000"/>
-          </a:xfrm>
-          <a:prstGeom prst="ellipse">
-            <a:avLst/>
-          </a:prstGeom>
-          <a:gradFill flip="none" rotWithShape="1">
-            <a:gsLst>
-              <a:gs pos="37000">
-                <a:srgbClr val="1AEE70">
-                  <a:tint val="66000"/>
-                  <a:satMod val="160000"/>
-                </a:srgbClr>
-              </a:gs>
-              <a:gs pos="100000">
-                <a:srgbClr val="FF0000"/>
-              </a:gs>
-            </a:gsLst>
-            <a:lin ang="2700000" scaled="1"/>
-            <a:tileRect/>
-          </a:gradFill>
-        </p:spPr>
-        <p:style>
-          <a:lnRef idx="2">
-            <a:schemeClr val="accent1">
-              <a:shade val="50000"/>
-            </a:schemeClr>
-          </a:lnRef>
-          <a:fillRef idx="1">
-            <a:schemeClr val="accent1"/>
-          </a:fillRef>
-          <a:effectRef idx="0">
-            <a:schemeClr val="accent1"/>
-          </a:effectRef>
-          <a:fontRef idx="minor">
-            <a:schemeClr val="lt1"/>
-          </a:fontRef>
-        </p:style>
-        <p:txBody>
-          <a:bodyPr rtlCol="0" anchor="ctr"/>
-          <a:lstStyle/>
-          <a:p>
-            <a:pPr algn="ctr"/>
-            <a:endParaRPr lang="de-DE"/>
-          </a:p>
-        </p:txBody>
-      </p:sp>
-      <p:sp>
-        <p:nvSpPr>
-          <p:cNvPr id="34" name="Ellipse 33">
-            <a:extLst>
-              <a:ext uri="{FF2B5EF4-FFF2-40B4-BE49-F238E27FC236}">
-                <a16:creationId xmlns:a16="http://schemas.microsoft.com/office/drawing/2014/main" id="{974F4C3D-2209-4803-9402-AE8DB3CE646C}"/>
-              </a:ext>
-            </a:extLst>
-          </p:cNvPr>
-          <p:cNvSpPr>
-            <a:spLocks noChangeAspect="1"/>
-          </p:cNvSpPr>
-          <p:nvPr/>
-        </p:nvSpPr>
-        <p:spPr>
-          <a:xfrm>
-            <a:off x="2394125" y="3820224"/>
-            <a:ext cx="252000" cy="252000"/>
-          </a:xfrm>
-          <a:prstGeom prst="ellipse">
-            <a:avLst/>
-          </a:prstGeom>
-          <a:gradFill flip="none" rotWithShape="1">
-            <a:gsLst>
-              <a:gs pos="0">
-                <a:schemeClr val="accent4">
-                  <a:tint val="66000"/>
-                  <a:satMod val="160000"/>
-                </a:schemeClr>
-              </a:gs>
-              <a:gs pos="100000">
-                <a:schemeClr val="accent1">
-                  <a:lumMod val="60000"/>
-                  <a:lumOff val="40000"/>
-                </a:schemeClr>
-              </a:gs>
-            </a:gsLst>
-            <a:lin ang="2700000" scaled="1"/>
-            <a:tileRect/>
-          </a:gradFill>
-        </p:spPr>
-        <p:style>
-          <a:lnRef idx="2">
-            <a:schemeClr val="accent1">
-              <a:shade val="50000"/>
-            </a:schemeClr>
-          </a:lnRef>
-          <a:fillRef idx="1">
-            <a:schemeClr val="accent1"/>
-          </a:fillRef>
-          <a:effectRef idx="0">
-            <a:schemeClr val="accent1"/>
-          </a:effectRef>
-          <a:fontRef idx="minor">
-            <a:schemeClr val="lt1"/>
-          </a:fontRef>
-        </p:style>
-        <p:txBody>
-          <a:bodyPr rtlCol="0" anchor="ctr"/>
-          <a:lstStyle/>
-          <a:p>
-            <a:pPr algn="ctr"/>
-            <a:endParaRPr lang="de-DE"/>
-          </a:p>
-        </p:txBody>
-      </p:sp>
-      <p:sp>
-        <p:nvSpPr>
-          <p:cNvPr id="35" name="Ellipse 34">
-            <a:extLst>
-              <a:ext uri="{FF2B5EF4-FFF2-40B4-BE49-F238E27FC236}">
-                <a16:creationId xmlns:a16="http://schemas.microsoft.com/office/drawing/2014/main" id="{A4E908D3-305B-4948-86E7-740CCE992EC6}"/>
-              </a:ext>
-            </a:extLst>
-          </p:cNvPr>
-          <p:cNvSpPr>
-            <a:spLocks noChangeAspect="1"/>
-          </p:cNvSpPr>
-          <p:nvPr/>
-        </p:nvSpPr>
-        <p:spPr>
-          <a:xfrm>
-            <a:off x="1947767" y="3820224"/>
-            <a:ext cx="252000" cy="252000"/>
-          </a:xfrm>
-          <a:prstGeom prst="ellipse">
-            <a:avLst/>
-          </a:prstGeom>
-          <a:solidFill>
-            <a:schemeClr val="accent2"/>
-          </a:solidFill>
-        </p:spPr>
-        <p:style>
-          <a:lnRef idx="2">
-            <a:schemeClr val="accent1">
-              <a:shade val="50000"/>
-            </a:schemeClr>
-          </a:lnRef>
-          <a:fillRef idx="1">
-            <a:schemeClr val="accent1"/>
-          </a:fillRef>
-          <a:effectRef idx="0">
-            <a:schemeClr val="accent1"/>
-          </a:effectRef>
-          <a:fontRef idx="minor">
-            <a:schemeClr val="lt1"/>
-          </a:fontRef>
-        </p:style>
-        <p:txBody>
-          <a:bodyPr rtlCol="0" anchor="ctr"/>
-          <a:lstStyle/>
-          <a:p>
-            <a:pPr algn="ctr"/>
-            <a:endParaRPr lang="de-DE"/>
-          </a:p>
-        </p:txBody>
-      </p:sp>
-      <p:sp>
-        <p:nvSpPr>
-          <p:cNvPr id="36" name="Ellipse 35">
-            <a:extLst>
-              <a:ext uri="{FF2B5EF4-FFF2-40B4-BE49-F238E27FC236}">
-                <a16:creationId xmlns:a16="http://schemas.microsoft.com/office/drawing/2014/main" id="{3D6A6D68-E18C-4FA5-A56D-14620C07129F}"/>
-              </a:ext>
-            </a:extLst>
-          </p:cNvPr>
-          <p:cNvSpPr>
-            <a:spLocks noChangeAspect="1"/>
-          </p:cNvSpPr>
-          <p:nvPr/>
-        </p:nvSpPr>
-        <p:spPr>
-          <a:xfrm>
-            <a:off x="1501409" y="3820224"/>
-            <a:ext cx="252000" cy="252000"/>
-          </a:xfrm>
-          <a:prstGeom prst="ellipse">
-            <a:avLst/>
-          </a:prstGeom>
-          <a:solidFill>
-            <a:srgbClr val="7030A0"/>
-          </a:solidFill>
-        </p:spPr>
-        <p:style>
-          <a:lnRef idx="2">
-            <a:schemeClr val="accent1">
-              <a:shade val="50000"/>
-            </a:schemeClr>
-          </a:lnRef>
-          <a:fillRef idx="1">
-            <a:schemeClr val="accent1"/>
-          </a:fillRef>
-          <a:effectRef idx="0">
-            <a:schemeClr val="accent1"/>
-          </a:effectRef>
-          <a:fontRef idx="minor">
-            <a:schemeClr val="lt1"/>
-          </a:fontRef>
-        </p:style>
-        <p:txBody>
-          <a:bodyPr rtlCol="0" anchor="ctr"/>
-          <a:lstStyle/>
-          <a:p>
-            <a:pPr algn="ctr"/>
-            <a:endParaRPr lang="de-DE"/>
-          </a:p>
-        </p:txBody>
-      </p:sp>
-      <p:sp>
-        <p:nvSpPr>
-          <p:cNvPr id="37" name="Rechteck: abgerundete Ecken 36">
-            <a:extLst>
-              <a:ext uri="{FF2B5EF4-FFF2-40B4-BE49-F238E27FC236}">
-                <a16:creationId xmlns:a16="http://schemas.microsoft.com/office/drawing/2014/main" id="{B3206E43-45B9-4093-A2BF-D3CE0C461899}"/>
-              </a:ext>
-            </a:extLst>
-          </p:cNvPr>
-          <p:cNvSpPr/>
-          <p:nvPr/>
-        </p:nvSpPr>
-        <p:spPr>
-          <a:xfrm>
-            <a:off x="589452" y="4292840"/>
-            <a:ext cx="2503031" cy="386222"/>
-          </a:xfrm>
-          <a:prstGeom prst="roundRect">
-            <a:avLst/>
-          </a:prstGeom>
-          <a:solidFill>
-            <a:schemeClr val="bg1"/>
-          </a:solidFill>
-        </p:spPr>
-        <p:style>
-          <a:lnRef idx="2">
-            <a:schemeClr val="accent1">
-              <a:shade val="50000"/>
-            </a:schemeClr>
-          </a:lnRef>
-          <a:fillRef idx="1">
-            <a:schemeClr val="accent1"/>
-          </a:fillRef>
-          <a:effectRef idx="0">
-            <a:schemeClr val="accent1"/>
-          </a:effectRef>
-          <a:fontRef idx="minor">
-            <a:schemeClr val="lt1"/>
-          </a:fontRef>
-        </p:style>
-        <p:txBody>
-          <a:bodyPr rtlCol="0" anchor="ctr"/>
-          <a:lstStyle/>
-          <a:p>
-            <a:pPr algn="ctr"/>
-            <a:r>
-              <a:rPr lang="de-DE">
-                <a:solidFill>
-                  <a:schemeClr val="tx1"/>
-                </a:solidFill>
-              </a:rPr>
-              <a:t>Color Palette</a:t>
-            </a:r>
-          </a:p>
-        </p:txBody>
-      </p:sp>
-      <p:sp>
-        <p:nvSpPr>
-          <p:cNvPr id="39" name="Ellipse 38">
-            <a:extLst>
-              <a:ext uri="{FF2B5EF4-FFF2-40B4-BE49-F238E27FC236}">
-                <a16:creationId xmlns:a16="http://schemas.microsoft.com/office/drawing/2014/main" id="{E2117D33-0A5F-4A70-8D57-C1FB2A85DBF3}"/>
-              </a:ext>
-            </a:extLst>
-          </p:cNvPr>
-          <p:cNvSpPr>
-            <a:spLocks noChangeAspect="1"/>
-          </p:cNvSpPr>
-          <p:nvPr/>
-        </p:nvSpPr>
-        <p:spPr>
-          <a:xfrm>
-            <a:off x="1873122" y="2937609"/>
-            <a:ext cx="252000" cy="252000"/>
-          </a:xfrm>
-          <a:prstGeom prst="ellipse">
-            <a:avLst/>
-          </a:prstGeom>
-          <a:solidFill>
-            <a:srgbClr val="1AEE70"/>
-          </a:solidFill>
-        </p:spPr>
-        <p:style>
-          <a:lnRef idx="2">
-            <a:schemeClr val="accent1">
-              <a:shade val="50000"/>
-            </a:schemeClr>
-          </a:lnRef>
-          <a:fillRef idx="1">
-            <a:schemeClr val="accent1"/>
-          </a:fillRef>
-          <a:effectRef idx="0">
-            <a:schemeClr val="accent1"/>
-          </a:effectRef>
-          <a:fontRef idx="minor">
-            <a:schemeClr val="lt1"/>
-          </a:fontRef>
-        </p:style>
-        <p:txBody>
-          <a:bodyPr rtlCol="0" anchor="ctr"/>
-          <a:lstStyle/>
-          <a:p>
-            <a:pPr algn="ctr"/>
-            <a:endParaRPr lang="de-DE"/>
-          </a:p>
-        </p:txBody>
-      </p:sp>
-      <p:sp>
-        <p:nvSpPr>
-          <p:cNvPr id="40" name="Rechteck: abgerundete Ecken 39">
-            <a:extLst>
-              <a:ext uri="{FF2B5EF4-FFF2-40B4-BE49-F238E27FC236}">
-                <a16:creationId xmlns:a16="http://schemas.microsoft.com/office/drawing/2014/main" id="{47FA994C-4E10-40F0-AB33-AB3F07CC4C37}"/>
-              </a:ext>
-            </a:extLst>
-          </p:cNvPr>
-          <p:cNvSpPr/>
-          <p:nvPr/>
-        </p:nvSpPr>
-        <p:spPr>
-          <a:xfrm>
-            <a:off x="414208" y="3255725"/>
-            <a:ext cx="2957120" cy="1571219"/>
-          </a:xfrm>
-          <a:prstGeom prst="roundRect">
-            <a:avLst/>
-          </a:prstGeom>
-          <a:noFill/>
-        </p:spPr>
-        <p:style>
-          <a:lnRef idx="2">
-            <a:schemeClr val="accent1">
-              <a:shade val="50000"/>
-            </a:schemeClr>
-          </a:lnRef>
-          <a:fillRef idx="1">
-            <a:schemeClr val="accent1"/>
-          </a:fillRef>
-          <a:effectRef idx="0">
-            <a:schemeClr val="accent1"/>
-          </a:effectRef>
-          <a:fontRef idx="minor">
-            <a:schemeClr val="lt1"/>
-          </a:fontRef>
-        </p:style>
-        <p:txBody>
-          <a:bodyPr rtlCol="0" anchor="ctr"/>
-          <a:lstStyle/>
-          <a:p>
-            <a:pPr algn="ctr"/>
-            <a:endParaRPr lang="de-DE"/>
-          </a:p>
-        </p:txBody>
-      </p:sp>
-      <p:sp>
-        <p:nvSpPr>
-          <p:cNvPr id="7" name="Textfeld 6">
-            <a:extLst>
-              <a:ext uri="{FF2B5EF4-FFF2-40B4-BE49-F238E27FC236}">
-                <a16:creationId xmlns:a16="http://schemas.microsoft.com/office/drawing/2014/main" id="{04CCB142-EEFD-47CB-84AA-C035A561B0B1}"/>
-              </a:ext>
-            </a:extLst>
-          </p:cNvPr>
-          <p:cNvSpPr txBox="1"/>
-          <p:nvPr/>
-        </p:nvSpPr>
-        <p:spPr>
-          <a:xfrm>
-            <a:off x="3937518" y="335902"/>
-            <a:ext cx="7986034" cy="369332"/>
+      <p:pic>
+        <p:nvPicPr>
+          <p:cNvPr id="5" name="Grafik 4" descr="Sanduhr abgelaufen">
+            <a:extLst>
+              <a:ext uri="{FF2B5EF4-FFF2-40B4-BE49-F238E27FC236}">
+                <a16:creationId xmlns:a16="http://schemas.microsoft.com/office/drawing/2014/main" id="{AD720CE7-3369-418B-A346-B3490B72C6CD}"/>
+              </a:ext>
+            </a:extLst>
+          </p:cNvPr>
+          <p:cNvPicPr>
+            <a:picLocks noChangeAspect="1"/>
+          </p:cNvPicPr>
+          <p:nvPr/>
+        </p:nvPicPr>
+        <p:blipFill>
+          <a:blip r:embed="rId2">
+            <a:extLst>
+              <a:ext uri="{28A0092B-C50C-407E-A947-70E740481C1C}">
+                <a14:useLocalDpi xmlns:a14="http://schemas.microsoft.com/office/drawing/2010/main" val="0"/>
+              </a:ext>
+              <a:ext uri="{96DAC541-7B7A-43D3-8B79-37D633B846F1}">
+                <asvg:svgBlip xmlns:asvg="http://schemas.microsoft.com/office/drawing/2016/SVG/main" r:embed="rId3"/>
+              </a:ext>
+            </a:extLst>
+          </a:blip>
+          <a:stretch>
+            <a:fillRect/>
+          </a:stretch>
+        </p:blipFill>
+        <p:spPr>
+          <a:xfrm>
+            <a:off x="2988177" y="1917489"/>
+            <a:ext cx="258876" cy="258876"/>
           </a:xfrm>
           <a:prstGeom prst="rect">
             <a:avLst/>
           </a:prstGeom>
-          <a:noFill/>
-        </p:spPr>
-        <p:txBody>
-          <a:bodyPr wrap="square" rtlCol="0">
-            <a:spAutoFit/>
-          </a:bodyPr>
-          <a:lstStyle/>
-          <a:p>
-            <a:r>
-              <a:rPr lang="de-DE"/>
-              <a:t>Light-Adjust-Activity</a:t>
-            </a:r>
-          </a:p>
-        </p:txBody>
-      </p:sp>
+        </p:spPr>
+      </p:pic>
     </p:spTree>
     <p:extLst>
       <p:ext uri="{BB962C8B-B14F-4D97-AF65-F5344CB8AC3E}">
-        <p14:creationId xmlns:p14="http://schemas.microsoft.com/office/powerpoint/2010/main" val="3533090560"/>
+        <p14:creationId xmlns:p14="http://schemas.microsoft.com/office/powerpoint/2010/main" val="3263600727"/>
       </p:ext>
     </p:extLst>
   </p:cSld>
@@ -8860,6 +7776,1756 @@
       </p:sp>
       <p:sp>
         <p:nvSpPr>
+          <p:cNvPr id="7" name="Textfeld 6">
+            <a:extLst>
+              <a:ext uri="{FF2B5EF4-FFF2-40B4-BE49-F238E27FC236}">
+                <a16:creationId xmlns:a16="http://schemas.microsoft.com/office/drawing/2014/main" id="{04CCB142-EEFD-47CB-84AA-C035A561B0B1}"/>
+              </a:ext>
+            </a:extLst>
+          </p:cNvPr>
+          <p:cNvSpPr txBox="1"/>
+          <p:nvPr/>
+        </p:nvSpPr>
+        <p:spPr>
+          <a:xfrm>
+            <a:off x="3937518" y="335902"/>
+            <a:ext cx="7986034" cy="369332"/>
+          </a:xfrm>
+          <a:prstGeom prst="rect">
+            <a:avLst/>
+          </a:prstGeom>
+          <a:noFill/>
+        </p:spPr>
+        <p:txBody>
+          <a:bodyPr wrap="square" rtlCol="0">
+            <a:spAutoFit/>
+          </a:bodyPr>
+          <a:lstStyle/>
+          <a:p>
+            <a:r>
+              <a:rPr lang="de-DE"/>
+              <a:t>Light-Adjust-Activity</a:t>
+            </a:r>
+          </a:p>
+        </p:txBody>
+      </p:sp>
+      <p:sp>
+        <p:nvSpPr>
+          <p:cNvPr id="9" name="Pfeil: nach links und rechts 8">
+            <a:extLst>
+              <a:ext uri="{FF2B5EF4-FFF2-40B4-BE49-F238E27FC236}">
+                <a16:creationId xmlns:a16="http://schemas.microsoft.com/office/drawing/2014/main" id="{E6DFF6CE-7024-4AAD-BD19-ADA82F8BA6F0}"/>
+              </a:ext>
+            </a:extLst>
+          </p:cNvPr>
+          <p:cNvSpPr/>
+          <p:nvPr/>
+        </p:nvSpPr>
+        <p:spPr>
+          <a:xfrm>
+            <a:off x="3783367" y="983726"/>
+            <a:ext cx="2263806" cy="513999"/>
+          </a:xfrm>
+          <a:prstGeom prst="leftRightArrow">
+            <a:avLst/>
+          </a:prstGeom>
+        </p:spPr>
+        <p:style>
+          <a:lnRef idx="2">
+            <a:schemeClr val="accent1">
+              <a:shade val="50000"/>
+            </a:schemeClr>
+          </a:lnRef>
+          <a:fillRef idx="1">
+            <a:schemeClr val="accent1"/>
+          </a:fillRef>
+          <a:effectRef idx="0">
+            <a:schemeClr val="accent1"/>
+          </a:effectRef>
+          <a:fontRef idx="minor">
+            <a:schemeClr val="lt1"/>
+          </a:fontRef>
+        </p:style>
+        <p:txBody>
+          <a:bodyPr rtlCol="0" anchor="ctr"/>
+          <a:lstStyle/>
+          <a:p>
+            <a:pPr algn="ctr"/>
+            <a:endParaRPr lang="de-DE"/>
+          </a:p>
+        </p:txBody>
+      </p:sp>
+      <p:sp>
+        <p:nvSpPr>
+          <p:cNvPr id="38" name="Textfeld 37">
+            <a:extLst>
+              <a:ext uri="{FF2B5EF4-FFF2-40B4-BE49-F238E27FC236}">
+                <a16:creationId xmlns:a16="http://schemas.microsoft.com/office/drawing/2014/main" id="{CC0D3719-B8B4-4E35-A4EE-D73FF6062BDF}"/>
+              </a:ext>
+            </a:extLst>
+          </p:cNvPr>
+          <p:cNvSpPr txBox="1"/>
+          <p:nvPr/>
+        </p:nvSpPr>
+        <p:spPr>
+          <a:xfrm>
+            <a:off x="6144829" y="983726"/>
+            <a:ext cx="2263806" cy="646331"/>
+          </a:xfrm>
+          <a:prstGeom prst="rect">
+            <a:avLst/>
+          </a:prstGeom>
+          <a:noFill/>
+        </p:spPr>
+        <p:txBody>
+          <a:bodyPr wrap="square" rtlCol="0">
+            <a:spAutoFit/>
+          </a:bodyPr>
+          <a:lstStyle/>
+          <a:p>
+            <a:r>
+              <a:rPr lang="de-DE"/>
+              <a:t>Swipe to get to other adjustments</a:t>
+            </a:r>
+          </a:p>
+        </p:txBody>
+      </p:sp>
+    </p:spTree>
+    <p:extLst>
+      <p:ext uri="{BB962C8B-B14F-4D97-AF65-F5344CB8AC3E}">
+        <p14:creationId xmlns:p14="http://schemas.microsoft.com/office/powerpoint/2010/main" val="3533090560"/>
+      </p:ext>
+    </p:extLst>
+  </p:cSld>
+  <p:clrMapOvr>
+    <a:masterClrMapping/>
+  </p:clrMapOvr>
+</p:sld>
+</file>
+
+<file path=ppt/slides/slide6.xml><?xml version="1.0" encoding="utf-8"?>
+<p:sld xmlns:a="http://schemas.openxmlformats.org/drawingml/2006/main" xmlns:r="http://schemas.openxmlformats.org/officeDocument/2006/relationships" xmlns:p="http://schemas.openxmlformats.org/presentationml/2006/main">
+  <p:cSld>
+    <p:spTree>
+      <p:nvGrpSpPr>
+        <p:cNvPr id="1" name=""/>
+        <p:cNvGrpSpPr/>
+        <p:nvPr/>
+      </p:nvGrpSpPr>
+      <p:grpSpPr>
+        <a:xfrm>
+          <a:off x="0" y="0"/>
+          <a:ext cx="0" cy="0"/>
+          <a:chOff x="0" y="0"/>
+          <a:chExt cx="0" cy="0"/>
+        </a:xfrm>
+      </p:grpSpPr>
+      <p:sp>
+        <p:nvSpPr>
+          <p:cNvPr id="4" name="Rechteck 3">
+            <a:extLst>
+              <a:ext uri="{FF2B5EF4-FFF2-40B4-BE49-F238E27FC236}">
+                <a16:creationId xmlns:a16="http://schemas.microsoft.com/office/drawing/2014/main" id="{DE95E8BA-F71D-4CBC-9C9C-CAC346875520}"/>
+              </a:ext>
+            </a:extLst>
+          </p:cNvPr>
+          <p:cNvSpPr/>
+          <p:nvPr/>
+        </p:nvSpPr>
+        <p:spPr>
+          <a:xfrm>
+            <a:off x="268448" y="453005"/>
+            <a:ext cx="3221372" cy="5796793"/>
+          </a:xfrm>
+          <a:prstGeom prst="rect">
+            <a:avLst/>
+          </a:prstGeom>
+          <a:noFill/>
+        </p:spPr>
+        <p:style>
+          <a:lnRef idx="2">
+            <a:schemeClr val="accent1">
+              <a:shade val="50000"/>
+            </a:schemeClr>
+          </a:lnRef>
+          <a:fillRef idx="1">
+            <a:schemeClr val="accent1"/>
+          </a:fillRef>
+          <a:effectRef idx="0">
+            <a:schemeClr val="accent1"/>
+          </a:effectRef>
+          <a:fontRef idx="minor">
+            <a:schemeClr val="lt1"/>
+          </a:fontRef>
+        </p:style>
+        <p:txBody>
+          <a:bodyPr rtlCol="0" anchor="ctr"/>
+          <a:lstStyle/>
+          <a:p>
+            <a:pPr algn="ctr"/>
+            <a:endParaRPr lang="de-DE"/>
+          </a:p>
+        </p:txBody>
+      </p:sp>
+      <p:sp>
+        <p:nvSpPr>
+          <p:cNvPr id="10" name="Rechteck 9">
+            <a:extLst>
+              <a:ext uri="{FF2B5EF4-FFF2-40B4-BE49-F238E27FC236}">
+                <a16:creationId xmlns:a16="http://schemas.microsoft.com/office/drawing/2014/main" id="{38C67996-2864-47DB-AA9F-6BA3B2AC1DEC}"/>
+              </a:ext>
+            </a:extLst>
+          </p:cNvPr>
+          <p:cNvSpPr/>
+          <p:nvPr/>
+        </p:nvSpPr>
+        <p:spPr>
+          <a:xfrm>
+            <a:off x="268448" y="453005"/>
+            <a:ext cx="3221372" cy="511729"/>
+          </a:xfrm>
+          <a:prstGeom prst="rect">
+            <a:avLst/>
+          </a:prstGeom>
+          <a:solidFill>
+            <a:schemeClr val="bg1"/>
+          </a:solidFill>
+        </p:spPr>
+        <p:style>
+          <a:lnRef idx="2">
+            <a:schemeClr val="accent1">
+              <a:shade val="50000"/>
+            </a:schemeClr>
+          </a:lnRef>
+          <a:fillRef idx="1">
+            <a:schemeClr val="accent1"/>
+          </a:fillRef>
+          <a:effectRef idx="0">
+            <a:schemeClr val="accent1"/>
+          </a:effectRef>
+          <a:fontRef idx="minor">
+            <a:schemeClr val="lt1"/>
+          </a:fontRef>
+        </p:style>
+        <p:txBody>
+          <a:bodyPr rtlCol="0" anchor="ctr"/>
+          <a:lstStyle/>
+          <a:p>
+            <a:r>
+              <a:rPr lang="de-DE">
+                <a:solidFill>
+                  <a:schemeClr val="tx1"/>
+                </a:solidFill>
+              </a:rPr>
+              <a:t>Living Room</a:t>
+            </a:r>
+          </a:p>
+        </p:txBody>
+      </p:sp>
+      <p:sp>
+        <p:nvSpPr>
+          <p:cNvPr id="11" name="Rechteck 10">
+            <a:extLst>
+              <a:ext uri="{FF2B5EF4-FFF2-40B4-BE49-F238E27FC236}">
+                <a16:creationId xmlns:a16="http://schemas.microsoft.com/office/drawing/2014/main" id="{7D9FABC6-0005-4FE7-B1AF-C1F364125C85}"/>
+              </a:ext>
+            </a:extLst>
+          </p:cNvPr>
+          <p:cNvSpPr/>
+          <p:nvPr/>
+        </p:nvSpPr>
+        <p:spPr>
+          <a:xfrm>
+            <a:off x="2558642" y="453004"/>
+            <a:ext cx="931178" cy="511729"/>
+          </a:xfrm>
+          <a:prstGeom prst="rect">
+            <a:avLst/>
+          </a:prstGeom>
+          <a:solidFill>
+            <a:schemeClr val="bg1"/>
+          </a:solidFill>
+        </p:spPr>
+        <p:style>
+          <a:lnRef idx="2">
+            <a:schemeClr val="accent1">
+              <a:shade val="50000"/>
+            </a:schemeClr>
+          </a:lnRef>
+          <a:fillRef idx="1">
+            <a:schemeClr val="accent1"/>
+          </a:fillRef>
+          <a:effectRef idx="0">
+            <a:schemeClr val="accent1"/>
+          </a:effectRef>
+          <a:fontRef idx="minor">
+            <a:schemeClr val="lt1"/>
+          </a:fontRef>
+        </p:style>
+        <p:txBody>
+          <a:bodyPr rtlCol="0" anchor="ctr"/>
+          <a:lstStyle/>
+          <a:p>
+            <a:pPr algn="ctr"/>
+            <a:endParaRPr lang="de-DE"/>
+          </a:p>
+        </p:txBody>
+      </p:sp>
+      <p:sp>
+        <p:nvSpPr>
+          <p:cNvPr id="12" name="Rechteck 11">
+            <a:extLst>
+              <a:ext uri="{FF2B5EF4-FFF2-40B4-BE49-F238E27FC236}">
+                <a16:creationId xmlns:a16="http://schemas.microsoft.com/office/drawing/2014/main" id="{A7B93001-9C5E-47CD-91D2-5187C4DC7BF3}"/>
+              </a:ext>
+            </a:extLst>
+          </p:cNvPr>
+          <p:cNvSpPr/>
+          <p:nvPr/>
+        </p:nvSpPr>
+        <p:spPr>
+          <a:xfrm>
+            <a:off x="2684477" y="518020"/>
+            <a:ext cx="729842" cy="90182"/>
+          </a:xfrm>
+          <a:prstGeom prst="rect">
+            <a:avLst/>
+          </a:prstGeom>
+        </p:spPr>
+        <p:style>
+          <a:lnRef idx="2">
+            <a:schemeClr val="accent1">
+              <a:shade val="50000"/>
+            </a:schemeClr>
+          </a:lnRef>
+          <a:fillRef idx="1">
+            <a:schemeClr val="accent1"/>
+          </a:fillRef>
+          <a:effectRef idx="0">
+            <a:schemeClr val="accent1"/>
+          </a:effectRef>
+          <a:fontRef idx="minor">
+            <a:schemeClr val="lt1"/>
+          </a:fontRef>
+        </p:style>
+        <p:txBody>
+          <a:bodyPr rtlCol="0" anchor="ctr"/>
+          <a:lstStyle/>
+          <a:p>
+            <a:pPr algn="ctr"/>
+            <a:endParaRPr lang="de-DE"/>
+          </a:p>
+        </p:txBody>
+      </p:sp>
+      <p:sp>
+        <p:nvSpPr>
+          <p:cNvPr id="13" name="Rechteck 12">
+            <a:extLst>
+              <a:ext uri="{FF2B5EF4-FFF2-40B4-BE49-F238E27FC236}">
+                <a16:creationId xmlns:a16="http://schemas.microsoft.com/office/drawing/2014/main" id="{B386DADA-82FE-49AD-956A-4A1796F08912}"/>
+              </a:ext>
+            </a:extLst>
+          </p:cNvPr>
+          <p:cNvSpPr/>
+          <p:nvPr/>
+        </p:nvSpPr>
+        <p:spPr>
+          <a:xfrm>
+            <a:off x="2684477" y="663428"/>
+            <a:ext cx="729842" cy="90182"/>
+          </a:xfrm>
+          <a:prstGeom prst="rect">
+            <a:avLst/>
+          </a:prstGeom>
+        </p:spPr>
+        <p:style>
+          <a:lnRef idx="2">
+            <a:schemeClr val="accent1">
+              <a:shade val="50000"/>
+            </a:schemeClr>
+          </a:lnRef>
+          <a:fillRef idx="1">
+            <a:schemeClr val="accent1"/>
+          </a:fillRef>
+          <a:effectRef idx="0">
+            <a:schemeClr val="accent1"/>
+          </a:effectRef>
+          <a:fontRef idx="minor">
+            <a:schemeClr val="lt1"/>
+          </a:fontRef>
+        </p:style>
+        <p:txBody>
+          <a:bodyPr rtlCol="0" anchor="ctr"/>
+          <a:lstStyle/>
+          <a:p>
+            <a:pPr algn="ctr"/>
+            <a:endParaRPr lang="de-DE"/>
+          </a:p>
+        </p:txBody>
+      </p:sp>
+      <p:sp>
+        <p:nvSpPr>
+          <p:cNvPr id="14" name="Rechteck 13">
+            <a:extLst>
+              <a:ext uri="{FF2B5EF4-FFF2-40B4-BE49-F238E27FC236}">
+                <a16:creationId xmlns:a16="http://schemas.microsoft.com/office/drawing/2014/main" id="{B662FF6F-32A9-442D-AC55-448979C2C3DA}"/>
+              </a:ext>
+            </a:extLst>
+          </p:cNvPr>
+          <p:cNvSpPr/>
+          <p:nvPr/>
+        </p:nvSpPr>
+        <p:spPr>
+          <a:xfrm>
+            <a:off x="2684477" y="808836"/>
+            <a:ext cx="729842" cy="90182"/>
+          </a:xfrm>
+          <a:prstGeom prst="rect">
+            <a:avLst/>
+          </a:prstGeom>
+        </p:spPr>
+        <p:style>
+          <a:lnRef idx="2">
+            <a:schemeClr val="accent1">
+              <a:shade val="50000"/>
+            </a:schemeClr>
+          </a:lnRef>
+          <a:fillRef idx="1">
+            <a:schemeClr val="accent1"/>
+          </a:fillRef>
+          <a:effectRef idx="0">
+            <a:schemeClr val="accent1"/>
+          </a:effectRef>
+          <a:fontRef idx="minor">
+            <a:schemeClr val="lt1"/>
+          </a:fontRef>
+        </p:style>
+        <p:txBody>
+          <a:bodyPr rtlCol="0" anchor="ctr"/>
+          <a:lstStyle/>
+          <a:p>
+            <a:pPr algn="ctr"/>
+            <a:endParaRPr lang="de-DE"/>
+          </a:p>
+        </p:txBody>
+      </p:sp>
+      <p:sp>
+        <p:nvSpPr>
+          <p:cNvPr id="17" name="Rechteck: abgerundete Ecken 16">
+            <a:extLst>
+              <a:ext uri="{FF2B5EF4-FFF2-40B4-BE49-F238E27FC236}">
+                <a16:creationId xmlns:a16="http://schemas.microsoft.com/office/drawing/2014/main" id="{6DB7AD1C-A235-463B-89EB-A2DBFC147C14}"/>
+              </a:ext>
+            </a:extLst>
+          </p:cNvPr>
+          <p:cNvSpPr/>
+          <p:nvPr/>
+        </p:nvSpPr>
+        <p:spPr>
+          <a:xfrm>
+            <a:off x="360727" y="5621322"/>
+            <a:ext cx="3036814" cy="511729"/>
+          </a:xfrm>
+          <a:prstGeom prst="roundRect">
+            <a:avLst/>
+          </a:prstGeom>
+          <a:gradFill flip="none" rotWithShape="1">
+            <a:gsLst>
+              <a:gs pos="0">
+                <a:schemeClr val="bg1">
+                  <a:shade val="30000"/>
+                  <a:satMod val="115000"/>
+                </a:schemeClr>
+              </a:gs>
+              <a:gs pos="50000">
+                <a:schemeClr val="bg1">
+                  <a:shade val="67500"/>
+                  <a:satMod val="115000"/>
+                </a:schemeClr>
+              </a:gs>
+              <a:gs pos="100000">
+                <a:schemeClr val="bg1">
+                  <a:shade val="100000"/>
+                  <a:satMod val="115000"/>
+                </a:schemeClr>
+              </a:gs>
+            </a:gsLst>
+            <a:lin ang="2700000" scaled="1"/>
+            <a:tileRect/>
+          </a:gradFill>
+        </p:spPr>
+        <p:style>
+          <a:lnRef idx="2">
+            <a:schemeClr val="accent1">
+              <a:shade val="50000"/>
+            </a:schemeClr>
+          </a:lnRef>
+          <a:fillRef idx="1">
+            <a:schemeClr val="accent1"/>
+          </a:fillRef>
+          <a:effectRef idx="0">
+            <a:schemeClr val="accent1"/>
+          </a:effectRef>
+          <a:fontRef idx="minor">
+            <a:schemeClr val="lt1"/>
+          </a:fontRef>
+        </p:style>
+        <p:txBody>
+          <a:bodyPr rtlCol="0" anchor="ctr"/>
+          <a:lstStyle/>
+          <a:p>
+            <a:pPr algn="ctr"/>
+            <a:r>
+              <a:rPr lang="de-DE">
+                <a:solidFill>
+                  <a:schemeClr val="tx1"/>
+                </a:solidFill>
+              </a:rPr>
+              <a:t>Back</a:t>
+            </a:r>
+          </a:p>
+        </p:txBody>
+      </p:sp>
+      <p:sp>
+        <p:nvSpPr>
+          <p:cNvPr id="2" name="Rechteck 1">
+            <a:extLst>
+              <a:ext uri="{FF2B5EF4-FFF2-40B4-BE49-F238E27FC236}">
+                <a16:creationId xmlns:a16="http://schemas.microsoft.com/office/drawing/2014/main" id="{FCCEAC4C-BC0F-48CD-940A-FD7F4698B316}"/>
+              </a:ext>
+            </a:extLst>
+          </p:cNvPr>
+          <p:cNvSpPr/>
+          <p:nvPr/>
+        </p:nvSpPr>
+        <p:spPr>
+          <a:xfrm>
+            <a:off x="268448" y="964733"/>
+            <a:ext cx="3221372" cy="511729"/>
+          </a:xfrm>
+          <a:prstGeom prst="rect">
+            <a:avLst/>
+          </a:prstGeom>
+          <a:solidFill>
+            <a:schemeClr val="bg1"/>
+          </a:solidFill>
+        </p:spPr>
+        <p:style>
+          <a:lnRef idx="2">
+            <a:schemeClr val="accent1">
+              <a:shade val="50000"/>
+            </a:schemeClr>
+          </a:lnRef>
+          <a:fillRef idx="1">
+            <a:schemeClr val="accent1"/>
+          </a:fillRef>
+          <a:effectRef idx="0">
+            <a:schemeClr val="accent1"/>
+          </a:effectRef>
+          <a:fontRef idx="minor">
+            <a:schemeClr val="lt1"/>
+          </a:fontRef>
+        </p:style>
+        <p:txBody>
+          <a:bodyPr rtlCol="0" anchor="ctr"/>
+          <a:lstStyle/>
+          <a:p>
+            <a:pPr algn="ctr"/>
+            <a:r>
+              <a:rPr lang="de-DE">
+                <a:solidFill>
+                  <a:schemeClr val="tx1"/>
+                </a:solidFill>
+              </a:rPr>
+              <a:t>Light Regulation</a:t>
+            </a:r>
+          </a:p>
+        </p:txBody>
+      </p:sp>
+      <p:sp>
+        <p:nvSpPr>
+          <p:cNvPr id="3" name="Rechteck 2">
+            <a:extLst>
+              <a:ext uri="{FF2B5EF4-FFF2-40B4-BE49-F238E27FC236}">
+                <a16:creationId xmlns:a16="http://schemas.microsoft.com/office/drawing/2014/main" id="{202C2CB4-6DE5-4C34-B005-DAED9124288A}"/>
+              </a:ext>
+            </a:extLst>
+          </p:cNvPr>
+          <p:cNvSpPr/>
+          <p:nvPr/>
+        </p:nvSpPr>
+        <p:spPr>
+          <a:xfrm>
+            <a:off x="457200" y="1847461"/>
+            <a:ext cx="2789853" cy="354563"/>
+          </a:xfrm>
+          <a:prstGeom prst="rect">
+            <a:avLst/>
+          </a:prstGeom>
+          <a:solidFill>
+            <a:schemeClr val="bg1"/>
+          </a:solidFill>
+          <a:ln>
+            <a:noFill/>
+          </a:ln>
+        </p:spPr>
+        <p:style>
+          <a:lnRef idx="2">
+            <a:schemeClr val="accent1">
+              <a:shade val="50000"/>
+            </a:schemeClr>
+          </a:lnRef>
+          <a:fillRef idx="1">
+            <a:schemeClr val="accent1"/>
+          </a:fillRef>
+          <a:effectRef idx="0">
+            <a:schemeClr val="accent1"/>
+          </a:effectRef>
+          <a:fontRef idx="minor">
+            <a:schemeClr val="lt1"/>
+          </a:fontRef>
+        </p:style>
+        <p:txBody>
+          <a:bodyPr rtlCol="0" anchor="ctr"/>
+          <a:lstStyle/>
+          <a:p>
+            <a:pPr algn="ctr"/>
+            <a:r>
+              <a:rPr lang="de-DE">
+                <a:solidFill>
+                  <a:schemeClr val="tx1"/>
+                </a:solidFill>
+              </a:rPr>
+              <a:t>Intensity:</a:t>
+            </a:r>
+          </a:p>
+        </p:txBody>
+      </p:sp>
+      <p:sp>
+        <p:nvSpPr>
+          <p:cNvPr id="5" name="Rechteck: abgerundete Ecken 4">
+            <a:extLst>
+              <a:ext uri="{FF2B5EF4-FFF2-40B4-BE49-F238E27FC236}">
+                <a16:creationId xmlns:a16="http://schemas.microsoft.com/office/drawing/2014/main" id="{6478CBF6-7C99-449C-B6C8-E44E1808921C}"/>
+              </a:ext>
+            </a:extLst>
+          </p:cNvPr>
+          <p:cNvSpPr/>
+          <p:nvPr/>
+        </p:nvSpPr>
+        <p:spPr>
+          <a:xfrm>
+            <a:off x="457200" y="2202024"/>
+            <a:ext cx="2789853" cy="251927"/>
+          </a:xfrm>
+          <a:prstGeom prst="roundRect">
+            <a:avLst/>
+          </a:prstGeom>
+          <a:gradFill flip="none" rotWithShape="1">
+            <a:gsLst>
+              <a:gs pos="62000">
+                <a:schemeClr val="accent1">
+                  <a:tint val="66000"/>
+                  <a:satMod val="160000"/>
+                </a:schemeClr>
+              </a:gs>
+              <a:gs pos="0">
+                <a:srgbClr val="BFCBF8"/>
+              </a:gs>
+              <a:gs pos="100000">
+                <a:srgbClr val="FF0000"/>
+              </a:gs>
+            </a:gsLst>
+            <a:lin ang="0" scaled="1"/>
+            <a:tileRect/>
+          </a:gradFill>
+          <a:ln>
+            <a:noFill/>
+          </a:ln>
+        </p:spPr>
+        <p:style>
+          <a:lnRef idx="2">
+            <a:schemeClr val="accent1">
+              <a:shade val="50000"/>
+            </a:schemeClr>
+          </a:lnRef>
+          <a:fillRef idx="1">
+            <a:schemeClr val="accent1"/>
+          </a:fillRef>
+          <a:effectRef idx="0">
+            <a:schemeClr val="accent1"/>
+          </a:effectRef>
+          <a:fontRef idx="minor">
+            <a:schemeClr val="lt1"/>
+          </a:fontRef>
+        </p:style>
+        <p:txBody>
+          <a:bodyPr rtlCol="0" anchor="ctr"/>
+          <a:lstStyle/>
+          <a:p>
+            <a:pPr algn="ctr"/>
+            <a:endParaRPr lang="de-DE"/>
+          </a:p>
+        </p:txBody>
+      </p:sp>
+      <p:sp>
+        <p:nvSpPr>
+          <p:cNvPr id="6" name="Rechteck: abgerundete Ecken 5">
+            <a:extLst>
+              <a:ext uri="{FF2B5EF4-FFF2-40B4-BE49-F238E27FC236}">
+                <a16:creationId xmlns:a16="http://schemas.microsoft.com/office/drawing/2014/main" id="{5C97E7DF-C04D-4BA2-A814-4E23E5EC7FF1}"/>
+              </a:ext>
+            </a:extLst>
+          </p:cNvPr>
+          <p:cNvSpPr/>
+          <p:nvPr/>
+        </p:nvSpPr>
+        <p:spPr>
+          <a:xfrm>
+            <a:off x="1110342" y="2150706"/>
+            <a:ext cx="121298" cy="354563"/>
+          </a:xfrm>
+          <a:prstGeom prst="roundRect">
+            <a:avLst/>
+          </a:prstGeom>
+          <a:solidFill>
+            <a:srgbClr val="92D050"/>
+          </a:solidFill>
+        </p:spPr>
+        <p:style>
+          <a:lnRef idx="2">
+            <a:schemeClr val="accent1">
+              <a:shade val="50000"/>
+            </a:schemeClr>
+          </a:lnRef>
+          <a:fillRef idx="1">
+            <a:schemeClr val="accent1"/>
+          </a:fillRef>
+          <a:effectRef idx="0">
+            <a:schemeClr val="accent1"/>
+          </a:effectRef>
+          <a:fontRef idx="minor">
+            <a:schemeClr val="lt1"/>
+          </a:fontRef>
+        </p:style>
+        <p:txBody>
+          <a:bodyPr rtlCol="0" anchor="ctr"/>
+          <a:lstStyle/>
+          <a:p>
+            <a:pPr algn="ctr"/>
+            <a:endParaRPr lang="de-DE"/>
+          </a:p>
+        </p:txBody>
+      </p:sp>
+      <p:cxnSp>
+        <p:nvCxnSpPr>
+          <p:cNvPr id="8" name="Gerader Verbinder 7">
+            <a:extLst>
+              <a:ext uri="{FF2B5EF4-FFF2-40B4-BE49-F238E27FC236}">
+                <a16:creationId xmlns:a16="http://schemas.microsoft.com/office/drawing/2014/main" id="{17453204-581F-4BCC-BE61-8C3F5AA0F947}"/>
+              </a:ext>
+            </a:extLst>
+          </p:cNvPr>
+          <p:cNvCxnSpPr>
+            <a:cxnSpLocks/>
+          </p:cNvCxnSpPr>
+          <p:nvPr/>
+        </p:nvCxnSpPr>
+        <p:spPr>
+          <a:xfrm>
+            <a:off x="466531" y="2134377"/>
+            <a:ext cx="0" cy="387220"/>
+          </a:xfrm>
+          <a:prstGeom prst="line">
+            <a:avLst/>
+          </a:prstGeom>
+          <a:ln w="25400">
+            <a:solidFill>
+              <a:schemeClr val="tx1"/>
+            </a:solidFill>
+          </a:ln>
+        </p:spPr>
+        <p:style>
+          <a:lnRef idx="1">
+            <a:schemeClr val="accent1"/>
+          </a:lnRef>
+          <a:fillRef idx="0">
+            <a:schemeClr val="accent1"/>
+          </a:fillRef>
+          <a:effectRef idx="0">
+            <a:schemeClr val="accent1"/>
+          </a:effectRef>
+          <a:fontRef idx="minor">
+            <a:schemeClr val="tx1"/>
+          </a:fontRef>
+        </p:style>
+      </p:cxnSp>
+      <p:cxnSp>
+        <p:nvCxnSpPr>
+          <p:cNvPr id="20" name="Gerader Verbinder 19">
+            <a:extLst>
+              <a:ext uri="{FF2B5EF4-FFF2-40B4-BE49-F238E27FC236}">
+                <a16:creationId xmlns:a16="http://schemas.microsoft.com/office/drawing/2014/main" id="{222430BA-D939-4349-B2F5-47502C122154}"/>
+              </a:ext>
+            </a:extLst>
+          </p:cNvPr>
+          <p:cNvCxnSpPr>
+            <a:cxnSpLocks/>
+          </p:cNvCxnSpPr>
+          <p:nvPr/>
+        </p:nvCxnSpPr>
+        <p:spPr>
+          <a:xfrm>
+            <a:off x="3247053" y="2150706"/>
+            <a:ext cx="0" cy="387220"/>
+          </a:xfrm>
+          <a:prstGeom prst="line">
+            <a:avLst/>
+          </a:prstGeom>
+          <a:ln w="25400">
+            <a:solidFill>
+              <a:schemeClr val="tx1"/>
+            </a:solidFill>
+          </a:ln>
+        </p:spPr>
+        <p:style>
+          <a:lnRef idx="1">
+            <a:schemeClr val="accent1"/>
+          </a:lnRef>
+          <a:fillRef idx="0">
+            <a:schemeClr val="accent1"/>
+          </a:fillRef>
+          <a:effectRef idx="0">
+            <a:schemeClr val="accent1"/>
+          </a:effectRef>
+          <a:fontRef idx="minor">
+            <a:schemeClr val="tx1"/>
+          </a:fontRef>
+        </p:style>
+      </p:cxnSp>
+      <p:sp>
+        <p:nvSpPr>
+          <p:cNvPr id="21" name="Textfeld 20">
+            <a:extLst>
+              <a:ext uri="{FF2B5EF4-FFF2-40B4-BE49-F238E27FC236}">
+                <a16:creationId xmlns:a16="http://schemas.microsoft.com/office/drawing/2014/main" id="{139303CF-C36B-43E1-BD4E-6CCA81ACAC8A}"/>
+              </a:ext>
+            </a:extLst>
+          </p:cNvPr>
+          <p:cNvSpPr txBox="1"/>
+          <p:nvPr/>
+        </p:nvSpPr>
+        <p:spPr>
+          <a:xfrm>
+            <a:off x="226696" y="2481658"/>
+            <a:ext cx="488756" cy="369332"/>
+          </a:xfrm>
+          <a:prstGeom prst="rect">
+            <a:avLst/>
+          </a:prstGeom>
+          <a:noFill/>
+        </p:spPr>
+        <p:txBody>
+          <a:bodyPr wrap="square" rtlCol="0">
+            <a:spAutoFit/>
+          </a:bodyPr>
+          <a:lstStyle/>
+          <a:p>
+            <a:r>
+              <a:rPr lang="de-DE"/>
+              <a:t>off</a:t>
+            </a:r>
+          </a:p>
+        </p:txBody>
+      </p:sp>
+      <p:sp>
+        <p:nvSpPr>
+          <p:cNvPr id="22" name="Textfeld 21">
+            <a:extLst>
+              <a:ext uri="{FF2B5EF4-FFF2-40B4-BE49-F238E27FC236}">
+                <a16:creationId xmlns:a16="http://schemas.microsoft.com/office/drawing/2014/main" id="{76C95E3C-D48C-4DD1-AE12-0349179456A2}"/>
+              </a:ext>
+            </a:extLst>
+          </p:cNvPr>
+          <p:cNvSpPr txBox="1"/>
+          <p:nvPr/>
+        </p:nvSpPr>
+        <p:spPr>
+          <a:xfrm>
+            <a:off x="3049398" y="2481658"/>
+            <a:ext cx="471824" cy="369332"/>
+          </a:xfrm>
+          <a:prstGeom prst="rect">
+            <a:avLst/>
+          </a:prstGeom>
+          <a:noFill/>
+        </p:spPr>
+        <p:txBody>
+          <a:bodyPr wrap="square" rtlCol="0">
+            <a:spAutoFit/>
+          </a:bodyPr>
+          <a:lstStyle/>
+          <a:p>
+            <a:r>
+              <a:rPr lang="de-DE"/>
+              <a:t>on</a:t>
+            </a:r>
+          </a:p>
+        </p:txBody>
+      </p:sp>
+      <p:sp>
+        <p:nvSpPr>
+          <p:cNvPr id="23" name="Rechteck 22">
+            <a:extLst>
+              <a:ext uri="{FF2B5EF4-FFF2-40B4-BE49-F238E27FC236}">
+                <a16:creationId xmlns:a16="http://schemas.microsoft.com/office/drawing/2014/main" id="{D62169B8-9DEC-4EA7-B83A-8636CAE726B7}"/>
+              </a:ext>
+            </a:extLst>
+          </p:cNvPr>
+          <p:cNvSpPr/>
+          <p:nvPr/>
+        </p:nvSpPr>
+        <p:spPr>
+          <a:xfrm>
+            <a:off x="451187" y="2871493"/>
+            <a:ext cx="2789853" cy="354563"/>
+          </a:xfrm>
+          <a:prstGeom prst="rect">
+            <a:avLst/>
+          </a:prstGeom>
+          <a:solidFill>
+            <a:schemeClr val="bg1"/>
+          </a:solidFill>
+          <a:ln>
+            <a:noFill/>
+          </a:ln>
+        </p:spPr>
+        <p:style>
+          <a:lnRef idx="2">
+            <a:schemeClr val="accent1">
+              <a:shade val="50000"/>
+            </a:schemeClr>
+          </a:lnRef>
+          <a:fillRef idx="1">
+            <a:schemeClr val="accent1"/>
+          </a:fillRef>
+          <a:effectRef idx="0">
+            <a:schemeClr val="accent1"/>
+          </a:effectRef>
+          <a:fontRef idx="minor">
+            <a:schemeClr val="lt1"/>
+          </a:fontRef>
+        </p:style>
+        <p:txBody>
+          <a:bodyPr rtlCol="0" anchor="ctr"/>
+          <a:lstStyle/>
+          <a:p>
+            <a:r>
+              <a:rPr lang="de-DE">
+                <a:solidFill>
+                  <a:schemeClr val="tx1"/>
+                </a:solidFill>
+              </a:rPr>
+              <a:t>Colorpicker:</a:t>
+            </a:r>
+          </a:p>
+        </p:txBody>
+      </p:sp>
+      <p:sp>
+        <p:nvSpPr>
+          <p:cNvPr id="25" name="Ellipse 24">
+            <a:extLst>
+              <a:ext uri="{FF2B5EF4-FFF2-40B4-BE49-F238E27FC236}">
+                <a16:creationId xmlns:a16="http://schemas.microsoft.com/office/drawing/2014/main" id="{4AEF7D4D-1B83-418E-B081-E4B6A3627317}"/>
+              </a:ext>
+            </a:extLst>
+          </p:cNvPr>
+          <p:cNvSpPr>
+            <a:spLocks noChangeAspect="1"/>
+          </p:cNvSpPr>
+          <p:nvPr/>
+        </p:nvSpPr>
+        <p:spPr>
+          <a:xfrm>
+            <a:off x="589452" y="3369547"/>
+            <a:ext cx="252000" cy="252000"/>
+          </a:xfrm>
+          <a:prstGeom prst="ellipse">
+            <a:avLst/>
+          </a:prstGeom>
+          <a:solidFill>
+            <a:srgbClr val="1AEE70"/>
+          </a:solidFill>
+        </p:spPr>
+        <p:style>
+          <a:lnRef idx="2">
+            <a:schemeClr val="accent1">
+              <a:shade val="50000"/>
+            </a:schemeClr>
+          </a:lnRef>
+          <a:fillRef idx="1">
+            <a:schemeClr val="accent1"/>
+          </a:fillRef>
+          <a:effectRef idx="0">
+            <a:schemeClr val="accent1"/>
+          </a:effectRef>
+          <a:fontRef idx="minor">
+            <a:schemeClr val="lt1"/>
+          </a:fontRef>
+        </p:style>
+        <p:txBody>
+          <a:bodyPr rtlCol="0" anchor="ctr"/>
+          <a:lstStyle/>
+          <a:p>
+            <a:pPr algn="ctr"/>
+            <a:endParaRPr lang="de-DE"/>
+          </a:p>
+        </p:txBody>
+      </p:sp>
+      <p:sp>
+        <p:nvSpPr>
+          <p:cNvPr id="26" name="Ellipse 25">
+            <a:extLst>
+              <a:ext uri="{FF2B5EF4-FFF2-40B4-BE49-F238E27FC236}">
+                <a16:creationId xmlns:a16="http://schemas.microsoft.com/office/drawing/2014/main" id="{5EF17DC8-3D23-4DBB-97A2-410454C370A8}"/>
+              </a:ext>
+            </a:extLst>
+          </p:cNvPr>
+          <p:cNvSpPr>
+            <a:spLocks noChangeAspect="1"/>
+          </p:cNvSpPr>
+          <p:nvPr/>
+        </p:nvSpPr>
+        <p:spPr>
+          <a:xfrm>
+            <a:off x="1048273" y="3369547"/>
+            <a:ext cx="252000" cy="252000"/>
+          </a:xfrm>
+          <a:prstGeom prst="ellipse">
+            <a:avLst/>
+          </a:prstGeom>
+          <a:solidFill>
+            <a:srgbClr val="FF0000"/>
+          </a:solidFill>
+        </p:spPr>
+        <p:style>
+          <a:lnRef idx="2">
+            <a:schemeClr val="accent1">
+              <a:shade val="50000"/>
+            </a:schemeClr>
+          </a:lnRef>
+          <a:fillRef idx="1">
+            <a:schemeClr val="accent1"/>
+          </a:fillRef>
+          <a:effectRef idx="0">
+            <a:schemeClr val="accent1"/>
+          </a:effectRef>
+          <a:fontRef idx="minor">
+            <a:schemeClr val="lt1"/>
+          </a:fontRef>
+        </p:style>
+        <p:txBody>
+          <a:bodyPr rtlCol="0" anchor="ctr"/>
+          <a:lstStyle/>
+          <a:p>
+            <a:pPr algn="ctr"/>
+            <a:endParaRPr lang="de-DE"/>
+          </a:p>
+        </p:txBody>
+      </p:sp>
+      <p:sp>
+        <p:nvSpPr>
+          <p:cNvPr id="27" name="Ellipse 26">
+            <a:extLst>
+              <a:ext uri="{FF2B5EF4-FFF2-40B4-BE49-F238E27FC236}">
+                <a16:creationId xmlns:a16="http://schemas.microsoft.com/office/drawing/2014/main" id="{A92B2FA2-8982-4DCD-B6FB-B5F558187CC3}"/>
+              </a:ext>
+            </a:extLst>
+          </p:cNvPr>
+          <p:cNvSpPr>
+            <a:spLocks noChangeAspect="1"/>
+          </p:cNvSpPr>
+          <p:nvPr/>
+        </p:nvSpPr>
+        <p:spPr>
+          <a:xfrm>
+            <a:off x="2840483" y="3369547"/>
+            <a:ext cx="252000" cy="252000"/>
+          </a:xfrm>
+          <a:prstGeom prst="ellipse">
+            <a:avLst/>
+          </a:prstGeom>
+          <a:solidFill>
+            <a:srgbClr val="00B0F0"/>
+          </a:solidFill>
+        </p:spPr>
+        <p:style>
+          <a:lnRef idx="2">
+            <a:schemeClr val="accent1">
+              <a:shade val="50000"/>
+            </a:schemeClr>
+          </a:lnRef>
+          <a:fillRef idx="1">
+            <a:schemeClr val="accent1"/>
+          </a:fillRef>
+          <a:effectRef idx="0">
+            <a:schemeClr val="accent1"/>
+          </a:effectRef>
+          <a:fontRef idx="minor">
+            <a:schemeClr val="lt1"/>
+          </a:fontRef>
+        </p:style>
+        <p:txBody>
+          <a:bodyPr rtlCol="0" anchor="ctr"/>
+          <a:lstStyle/>
+          <a:p>
+            <a:pPr algn="ctr"/>
+            <a:endParaRPr lang="de-DE"/>
+          </a:p>
+        </p:txBody>
+      </p:sp>
+      <p:sp>
+        <p:nvSpPr>
+          <p:cNvPr id="28" name="Ellipse 27">
+            <a:extLst>
+              <a:ext uri="{FF2B5EF4-FFF2-40B4-BE49-F238E27FC236}">
+                <a16:creationId xmlns:a16="http://schemas.microsoft.com/office/drawing/2014/main" id="{2408E974-ED74-4A0F-B971-5494ED52BF85}"/>
+              </a:ext>
+            </a:extLst>
+          </p:cNvPr>
+          <p:cNvSpPr>
+            <a:spLocks noChangeAspect="1"/>
+          </p:cNvSpPr>
+          <p:nvPr/>
+        </p:nvSpPr>
+        <p:spPr>
+          <a:xfrm>
+            <a:off x="2394125" y="3369547"/>
+            <a:ext cx="252000" cy="252000"/>
+          </a:xfrm>
+          <a:prstGeom prst="ellipse">
+            <a:avLst/>
+          </a:prstGeom>
+          <a:solidFill>
+            <a:srgbClr val="00B050"/>
+          </a:solidFill>
+        </p:spPr>
+        <p:style>
+          <a:lnRef idx="2">
+            <a:schemeClr val="accent1">
+              <a:shade val="50000"/>
+            </a:schemeClr>
+          </a:lnRef>
+          <a:fillRef idx="1">
+            <a:schemeClr val="accent1"/>
+          </a:fillRef>
+          <a:effectRef idx="0">
+            <a:schemeClr val="accent1"/>
+          </a:effectRef>
+          <a:fontRef idx="minor">
+            <a:schemeClr val="lt1"/>
+          </a:fontRef>
+        </p:style>
+        <p:txBody>
+          <a:bodyPr rtlCol="0" anchor="ctr"/>
+          <a:lstStyle/>
+          <a:p>
+            <a:pPr algn="ctr"/>
+            <a:endParaRPr lang="de-DE"/>
+          </a:p>
+        </p:txBody>
+      </p:sp>
+      <p:sp>
+        <p:nvSpPr>
+          <p:cNvPr id="29" name="Ellipse 28">
+            <a:extLst>
+              <a:ext uri="{FF2B5EF4-FFF2-40B4-BE49-F238E27FC236}">
+                <a16:creationId xmlns:a16="http://schemas.microsoft.com/office/drawing/2014/main" id="{F1462DAA-3CF1-4819-9F8A-7A150C291501}"/>
+              </a:ext>
+            </a:extLst>
+          </p:cNvPr>
+          <p:cNvSpPr>
+            <a:spLocks noChangeAspect="1"/>
+          </p:cNvSpPr>
+          <p:nvPr/>
+        </p:nvSpPr>
+        <p:spPr>
+          <a:xfrm>
+            <a:off x="1947767" y="3369547"/>
+            <a:ext cx="252000" cy="252000"/>
+          </a:xfrm>
+          <a:prstGeom prst="ellipse">
+            <a:avLst/>
+          </a:prstGeom>
+          <a:solidFill>
+            <a:srgbClr val="92D050"/>
+          </a:solidFill>
+        </p:spPr>
+        <p:style>
+          <a:lnRef idx="2">
+            <a:schemeClr val="accent1">
+              <a:shade val="50000"/>
+            </a:schemeClr>
+          </a:lnRef>
+          <a:fillRef idx="1">
+            <a:schemeClr val="accent1"/>
+          </a:fillRef>
+          <a:effectRef idx="0">
+            <a:schemeClr val="accent1"/>
+          </a:effectRef>
+          <a:fontRef idx="minor">
+            <a:schemeClr val="lt1"/>
+          </a:fontRef>
+        </p:style>
+        <p:txBody>
+          <a:bodyPr rtlCol="0" anchor="ctr"/>
+          <a:lstStyle/>
+          <a:p>
+            <a:pPr algn="ctr"/>
+            <a:endParaRPr lang="de-DE"/>
+          </a:p>
+        </p:txBody>
+      </p:sp>
+      <p:sp>
+        <p:nvSpPr>
+          <p:cNvPr id="30" name="Ellipse 29">
+            <a:extLst>
+              <a:ext uri="{FF2B5EF4-FFF2-40B4-BE49-F238E27FC236}">
+                <a16:creationId xmlns:a16="http://schemas.microsoft.com/office/drawing/2014/main" id="{040DEC14-29A4-46C4-AACE-867B20DC0748}"/>
+              </a:ext>
+            </a:extLst>
+          </p:cNvPr>
+          <p:cNvSpPr>
+            <a:spLocks noChangeAspect="1"/>
+          </p:cNvSpPr>
+          <p:nvPr/>
+        </p:nvSpPr>
+        <p:spPr>
+          <a:xfrm>
+            <a:off x="1501409" y="3369547"/>
+            <a:ext cx="252000" cy="252000"/>
+          </a:xfrm>
+          <a:prstGeom prst="ellipse">
+            <a:avLst/>
+          </a:prstGeom>
+          <a:solidFill>
+            <a:srgbClr val="FFC000"/>
+          </a:solidFill>
+        </p:spPr>
+        <p:style>
+          <a:lnRef idx="2">
+            <a:schemeClr val="accent1">
+              <a:shade val="50000"/>
+            </a:schemeClr>
+          </a:lnRef>
+          <a:fillRef idx="1">
+            <a:schemeClr val="accent1"/>
+          </a:fillRef>
+          <a:effectRef idx="0">
+            <a:schemeClr val="accent1"/>
+          </a:effectRef>
+          <a:fontRef idx="minor">
+            <a:schemeClr val="lt1"/>
+          </a:fontRef>
+        </p:style>
+        <p:txBody>
+          <a:bodyPr rtlCol="0" anchor="ctr"/>
+          <a:lstStyle/>
+          <a:p>
+            <a:pPr algn="ctr"/>
+            <a:endParaRPr lang="de-DE"/>
+          </a:p>
+        </p:txBody>
+      </p:sp>
+      <p:sp>
+        <p:nvSpPr>
+          <p:cNvPr id="31" name="Ellipse 30">
+            <a:extLst>
+              <a:ext uri="{FF2B5EF4-FFF2-40B4-BE49-F238E27FC236}">
+                <a16:creationId xmlns:a16="http://schemas.microsoft.com/office/drawing/2014/main" id="{0055652F-46A4-4340-B5AF-DAC8EA42C2D7}"/>
+              </a:ext>
+            </a:extLst>
+          </p:cNvPr>
+          <p:cNvSpPr>
+            <a:spLocks noChangeAspect="1"/>
+          </p:cNvSpPr>
+          <p:nvPr/>
+        </p:nvSpPr>
+        <p:spPr>
+          <a:xfrm>
+            <a:off x="589452" y="3820224"/>
+            <a:ext cx="252000" cy="252000"/>
+          </a:xfrm>
+          <a:prstGeom prst="ellipse">
+            <a:avLst/>
+          </a:prstGeom>
+          <a:solidFill>
+            <a:srgbClr val="0070C0"/>
+          </a:solidFill>
+        </p:spPr>
+        <p:style>
+          <a:lnRef idx="2">
+            <a:schemeClr val="accent1">
+              <a:shade val="50000"/>
+            </a:schemeClr>
+          </a:lnRef>
+          <a:fillRef idx="1">
+            <a:schemeClr val="accent1"/>
+          </a:fillRef>
+          <a:effectRef idx="0">
+            <a:schemeClr val="accent1"/>
+          </a:effectRef>
+          <a:fontRef idx="minor">
+            <a:schemeClr val="lt1"/>
+          </a:fontRef>
+        </p:style>
+        <p:txBody>
+          <a:bodyPr rtlCol="0" anchor="ctr"/>
+          <a:lstStyle/>
+          <a:p>
+            <a:pPr algn="ctr"/>
+            <a:endParaRPr lang="de-DE"/>
+          </a:p>
+        </p:txBody>
+      </p:sp>
+      <p:sp>
+        <p:nvSpPr>
+          <p:cNvPr id="32" name="Ellipse 31">
+            <a:extLst>
+              <a:ext uri="{FF2B5EF4-FFF2-40B4-BE49-F238E27FC236}">
+                <a16:creationId xmlns:a16="http://schemas.microsoft.com/office/drawing/2014/main" id="{615E93D4-1537-4BE2-AA31-15E1E06010F3}"/>
+              </a:ext>
+            </a:extLst>
+          </p:cNvPr>
+          <p:cNvSpPr>
+            <a:spLocks noChangeAspect="1"/>
+          </p:cNvSpPr>
+          <p:nvPr/>
+        </p:nvSpPr>
+        <p:spPr>
+          <a:xfrm>
+            <a:off x="1048273" y="3820224"/>
+            <a:ext cx="252000" cy="252000"/>
+          </a:xfrm>
+          <a:prstGeom prst="ellipse">
+            <a:avLst/>
+          </a:prstGeom>
+          <a:solidFill>
+            <a:srgbClr val="002060"/>
+          </a:solidFill>
+        </p:spPr>
+        <p:style>
+          <a:lnRef idx="2">
+            <a:schemeClr val="accent1">
+              <a:shade val="50000"/>
+            </a:schemeClr>
+          </a:lnRef>
+          <a:fillRef idx="1">
+            <a:schemeClr val="accent1"/>
+          </a:fillRef>
+          <a:effectRef idx="0">
+            <a:schemeClr val="accent1"/>
+          </a:effectRef>
+          <a:fontRef idx="minor">
+            <a:schemeClr val="lt1"/>
+          </a:fontRef>
+        </p:style>
+        <p:txBody>
+          <a:bodyPr rtlCol="0" anchor="ctr"/>
+          <a:lstStyle/>
+          <a:p>
+            <a:pPr algn="ctr"/>
+            <a:endParaRPr lang="de-DE"/>
+          </a:p>
+        </p:txBody>
+      </p:sp>
+      <p:sp>
+        <p:nvSpPr>
+          <p:cNvPr id="33" name="Ellipse 32">
+            <a:extLst>
+              <a:ext uri="{FF2B5EF4-FFF2-40B4-BE49-F238E27FC236}">
+                <a16:creationId xmlns:a16="http://schemas.microsoft.com/office/drawing/2014/main" id="{EB0EEF40-44F2-4C1C-A99B-84C735315BD2}"/>
+              </a:ext>
+            </a:extLst>
+          </p:cNvPr>
+          <p:cNvSpPr>
+            <a:spLocks noChangeAspect="1"/>
+          </p:cNvSpPr>
+          <p:nvPr/>
+        </p:nvSpPr>
+        <p:spPr>
+          <a:xfrm>
+            <a:off x="2840483" y="3820224"/>
+            <a:ext cx="252000" cy="252000"/>
+          </a:xfrm>
+          <a:prstGeom prst="ellipse">
+            <a:avLst/>
+          </a:prstGeom>
+          <a:gradFill flip="none" rotWithShape="1">
+            <a:gsLst>
+              <a:gs pos="37000">
+                <a:srgbClr val="1AEE70">
+                  <a:tint val="66000"/>
+                  <a:satMod val="160000"/>
+                </a:srgbClr>
+              </a:gs>
+              <a:gs pos="100000">
+                <a:srgbClr val="FF0000"/>
+              </a:gs>
+            </a:gsLst>
+            <a:lin ang="2700000" scaled="1"/>
+            <a:tileRect/>
+          </a:gradFill>
+        </p:spPr>
+        <p:style>
+          <a:lnRef idx="2">
+            <a:schemeClr val="accent1">
+              <a:shade val="50000"/>
+            </a:schemeClr>
+          </a:lnRef>
+          <a:fillRef idx="1">
+            <a:schemeClr val="accent1"/>
+          </a:fillRef>
+          <a:effectRef idx="0">
+            <a:schemeClr val="accent1"/>
+          </a:effectRef>
+          <a:fontRef idx="minor">
+            <a:schemeClr val="lt1"/>
+          </a:fontRef>
+        </p:style>
+        <p:txBody>
+          <a:bodyPr rtlCol="0" anchor="ctr"/>
+          <a:lstStyle/>
+          <a:p>
+            <a:pPr algn="ctr"/>
+            <a:endParaRPr lang="de-DE"/>
+          </a:p>
+        </p:txBody>
+      </p:sp>
+      <p:sp>
+        <p:nvSpPr>
+          <p:cNvPr id="34" name="Ellipse 33">
+            <a:extLst>
+              <a:ext uri="{FF2B5EF4-FFF2-40B4-BE49-F238E27FC236}">
+                <a16:creationId xmlns:a16="http://schemas.microsoft.com/office/drawing/2014/main" id="{974F4C3D-2209-4803-9402-AE8DB3CE646C}"/>
+              </a:ext>
+            </a:extLst>
+          </p:cNvPr>
+          <p:cNvSpPr>
+            <a:spLocks noChangeAspect="1"/>
+          </p:cNvSpPr>
+          <p:nvPr/>
+        </p:nvSpPr>
+        <p:spPr>
+          <a:xfrm>
+            <a:off x="2394125" y="3820224"/>
+            <a:ext cx="252000" cy="252000"/>
+          </a:xfrm>
+          <a:prstGeom prst="ellipse">
+            <a:avLst/>
+          </a:prstGeom>
+          <a:gradFill flip="none" rotWithShape="1">
+            <a:gsLst>
+              <a:gs pos="0">
+                <a:schemeClr val="accent4">
+                  <a:tint val="66000"/>
+                  <a:satMod val="160000"/>
+                </a:schemeClr>
+              </a:gs>
+              <a:gs pos="100000">
+                <a:schemeClr val="accent1">
+                  <a:lumMod val="60000"/>
+                  <a:lumOff val="40000"/>
+                </a:schemeClr>
+              </a:gs>
+            </a:gsLst>
+            <a:lin ang="2700000" scaled="1"/>
+            <a:tileRect/>
+          </a:gradFill>
+        </p:spPr>
+        <p:style>
+          <a:lnRef idx="2">
+            <a:schemeClr val="accent1">
+              <a:shade val="50000"/>
+            </a:schemeClr>
+          </a:lnRef>
+          <a:fillRef idx="1">
+            <a:schemeClr val="accent1"/>
+          </a:fillRef>
+          <a:effectRef idx="0">
+            <a:schemeClr val="accent1"/>
+          </a:effectRef>
+          <a:fontRef idx="minor">
+            <a:schemeClr val="lt1"/>
+          </a:fontRef>
+        </p:style>
+        <p:txBody>
+          <a:bodyPr rtlCol="0" anchor="ctr"/>
+          <a:lstStyle/>
+          <a:p>
+            <a:pPr algn="ctr"/>
+            <a:endParaRPr lang="de-DE"/>
+          </a:p>
+        </p:txBody>
+      </p:sp>
+      <p:sp>
+        <p:nvSpPr>
+          <p:cNvPr id="35" name="Ellipse 34">
+            <a:extLst>
+              <a:ext uri="{FF2B5EF4-FFF2-40B4-BE49-F238E27FC236}">
+                <a16:creationId xmlns:a16="http://schemas.microsoft.com/office/drawing/2014/main" id="{A4E908D3-305B-4948-86E7-740CCE992EC6}"/>
+              </a:ext>
+            </a:extLst>
+          </p:cNvPr>
+          <p:cNvSpPr>
+            <a:spLocks noChangeAspect="1"/>
+          </p:cNvSpPr>
+          <p:nvPr/>
+        </p:nvSpPr>
+        <p:spPr>
+          <a:xfrm>
+            <a:off x="1947767" y="3820224"/>
+            <a:ext cx="252000" cy="252000"/>
+          </a:xfrm>
+          <a:prstGeom prst="ellipse">
+            <a:avLst/>
+          </a:prstGeom>
+          <a:solidFill>
+            <a:schemeClr val="accent2"/>
+          </a:solidFill>
+        </p:spPr>
+        <p:style>
+          <a:lnRef idx="2">
+            <a:schemeClr val="accent1">
+              <a:shade val="50000"/>
+            </a:schemeClr>
+          </a:lnRef>
+          <a:fillRef idx="1">
+            <a:schemeClr val="accent1"/>
+          </a:fillRef>
+          <a:effectRef idx="0">
+            <a:schemeClr val="accent1"/>
+          </a:effectRef>
+          <a:fontRef idx="minor">
+            <a:schemeClr val="lt1"/>
+          </a:fontRef>
+        </p:style>
+        <p:txBody>
+          <a:bodyPr rtlCol="0" anchor="ctr"/>
+          <a:lstStyle/>
+          <a:p>
+            <a:pPr algn="ctr"/>
+            <a:endParaRPr lang="de-DE"/>
+          </a:p>
+        </p:txBody>
+      </p:sp>
+      <p:sp>
+        <p:nvSpPr>
+          <p:cNvPr id="36" name="Ellipse 35">
+            <a:extLst>
+              <a:ext uri="{FF2B5EF4-FFF2-40B4-BE49-F238E27FC236}">
+                <a16:creationId xmlns:a16="http://schemas.microsoft.com/office/drawing/2014/main" id="{3D6A6D68-E18C-4FA5-A56D-14620C07129F}"/>
+              </a:ext>
+            </a:extLst>
+          </p:cNvPr>
+          <p:cNvSpPr>
+            <a:spLocks noChangeAspect="1"/>
+          </p:cNvSpPr>
+          <p:nvPr/>
+        </p:nvSpPr>
+        <p:spPr>
+          <a:xfrm>
+            <a:off x="1501409" y="3820224"/>
+            <a:ext cx="252000" cy="252000"/>
+          </a:xfrm>
+          <a:prstGeom prst="ellipse">
+            <a:avLst/>
+          </a:prstGeom>
+          <a:solidFill>
+            <a:srgbClr val="7030A0"/>
+          </a:solidFill>
+        </p:spPr>
+        <p:style>
+          <a:lnRef idx="2">
+            <a:schemeClr val="accent1">
+              <a:shade val="50000"/>
+            </a:schemeClr>
+          </a:lnRef>
+          <a:fillRef idx="1">
+            <a:schemeClr val="accent1"/>
+          </a:fillRef>
+          <a:effectRef idx="0">
+            <a:schemeClr val="accent1"/>
+          </a:effectRef>
+          <a:fontRef idx="minor">
+            <a:schemeClr val="lt1"/>
+          </a:fontRef>
+        </p:style>
+        <p:txBody>
+          <a:bodyPr rtlCol="0" anchor="ctr"/>
+          <a:lstStyle/>
+          <a:p>
+            <a:pPr algn="ctr"/>
+            <a:endParaRPr lang="de-DE"/>
+          </a:p>
+        </p:txBody>
+      </p:sp>
+      <p:sp>
+        <p:nvSpPr>
+          <p:cNvPr id="37" name="Rechteck: abgerundete Ecken 36">
+            <a:extLst>
+              <a:ext uri="{FF2B5EF4-FFF2-40B4-BE49-F238E27FC236}">
+                <a16:creationId xmlns:a16="http://schemas.microsoft.com/office/drawing/2014/main" id="{B3206E43-45B9-4093-A2BF-D3CE0C461899}"/>
+              </a:ext>
+            </a:extLst>
+          </p:cNvPr>
+          <p:cNvSpPr/>
+          <p:nvPr/>
+        </p:nvSpPr>
+        <p:spPr>
+          <a:xfrm>
+            <a:off x="589452" y="4292840"/>
+            <a:ext cx="2503031" cy="386222"/>
+          </a:xfrm>
+          <a:prstGeom prst="roundRect">
+            <a:avLst/>
+          </a:prstGeom>
+          <a:solidFill>
+            <a:schemeClr val="bg1"/>
+          </a:solidFill>
+        </p:spPr>
+        <p:style>
+          <a:lnRef idx="2">
+            <a:schemeClr val="accent1">
+              <a:shade val="50000"/>
+            </a:schemeClr>
+          </a:lnRef>
+          <a:fillRef idx="1">
+            <a:schemeClr val="accent1"/>
+          </a:fillRef>
+          <a:effectRef idx="0">
+            <a:schemeClr val="accent1"/>
+          </a:effectRef>
+          <a:fontRef idx="minor">
+            <a:schemeClr val="lt1"/>
+          </a:fontRef>
+        </p:style>
+        <p:txBody>
+          <a:bodyPr rtlCol="0" anchor="ctr"/>
+          <a:lstStyle/>
+          <a:p>
+            <a:pPr algn="ctr"/>
+            <a:r>
+              <a:rPr lang="de-DE">
+                <a:solidFill>
+                  <a:schemeClr val="tx1"/>
+                </a:solidFill>
+              </a:rPr>
+              <a:t>Color Palette</a:t>
+            </a:r>
+          </a:p>
+        </p:txBody>
+      </p:sp>
+      <p:sp>
+        <p:nvSpPr>
+          <p:cNvPr id="39" name="Ellipse 38">
+            <a:extLst>
+              <a:ext uri="{FF2B5EF4-FFF2-40B4-BE49-F238E27FC236}">
+                <a16:creationId xmlns:a16="http://schemas.microsoft.com/office/drawing/2014/main" id="{E2117D33-0A5F-4A70-8D57-C1FB2A85DBF3}"/>
+              </a:ext>
+            </a:extLst>
+          </p:cNvPr>
+          <p:cNvSpPr>
+            <a:spLocks noChangeAspect="1"/>
+          </p:cNvSpPr>
+          <p:nvPr/>
+        </p:nvSpPr>
+        <p:spPr>
+          <a:xfrm>
+            <a:off x="1873122" y="2937609"/>
+            <a:ext cx="252000" cy="252000"/>
+          </a:xfrm>
+          <a:prstGeom prst="ellipse">
+            <a:avLst/>
+          </a:prstGeom>
+          <a:solidFill>
+            <a:srgbClr val="1AEE70"/>
+          </a:solidFill>
+        </p:spPr>
+        <p:style>
+          <a:lnRef idx="2">
+            <a:schemeClr val="accent1">
+              <a:shade val="50000"/>
+            </a:schemeClr>
+          </a:lnRef>
+          <a:fillRef idx="1">
+            <a:schemeClr val="accent1"/>
+          </a:fillRef>
+          <a:effectRef idx="0">
+            <a:schemeClr val="accent1"/>
+          </a:effectRef>
+          <a:fontRef idx="minor">
+            <a:schemeClr val="lt1"/>
+          </a:fontRef>
+        </p:style>
+        <p:txBody>
+          <a:bodyPr rtlCol="0" anchor="ctr"/>
+          <a:lstStyle/>
+          <a:p>
+            <a:pPr algn="ctr"/>
+            <a:endParaRPr lang="de-DE"/>
+          </a:p>
+        </p:txBody>
+      </p:sp>
+      <p:sp>
+        <p:nvSpPr>
+          <p:cNvPr id="40" name="Rechteck: abgerundete Ecken 39">
+            <a:extLst>
+              <a:ext uri="{FF2B5EF4-FFF2-40B4-BE49-F238E27FC236}">
+                <a16:creationId xmlns:a16="http://schemas.microsoft.com/office/drawing/2014/main" id="{47FA994C-4E10-40F0-AB33-AB3F07CC4C37}"/>
+              </a:ext>
+            </a:extLst>
+          </p:cNvPr>
+          <p:cNvSpPr/>
+          <p:nvPr/>
+        </p:nvSpPr>
+        <p:spPr>
+          <a:xfrm>
+            <a:off x="414208" y="3255725"/>
+            <a:ext cx="2957120" cy="1571219"/>
+          </a:xfrm>
+          <a:prstGeom prst="roundRect">
+            <a:avLst/>
+          </a:prstGeom>
+          <a:noFill/>
+        </p:spPr>
+        <p:style>
+          <a:lnRef idx="2">
+            <a:schemeClr val="accent1">
+              <a:shade val="50000"/>
+            </a:schemeClr>
+          </a:lnRef>
+          <a:fillRef idx="1">
+            <a:schemeClr val="accent1"/>
+          </a:fillRef>
+          <a:effectRef idx="0">
+            <a:schemeClr val="accent1"/>
+          </a:effectRef>
+          <a:fontRef idx="minor">
+            <a:schemeClr val="lt1"/>
+          </a:fontRef>
+        </p:style>
+        <p:txBody>
+          <a:bodyPr rtlCol="0" anchor="ctr"/>
+          <a:lstStyle/>
+          <a:p>
+            <a:pPr algn="ctr"/>
+            <a:endParaRPr lang="de-DE"/>
+          </a:p>
+        </p:txBody>
+      </p:sp>
+      <p:sp>
+        <p:nvSpPr>
           <p:cNvPr id="7" name="Rechteck: abgerundete Ecken 6">
             <a:extLst>
               <a:ext uri="{FF2B5EF4-FFF2-40B4-BE49-F238E27FC236}">
@@ -9113,7 +9779,7 @@
 </p:sld>
 </file>
 
-<file path=ppt/slides/slide6.xml><?xml version="1.0" encoding="utf-8"?>
+<file path=ppt/slides/slide7.xml><?xml version="1.0" encoding="utf-8"?>
 <p:sld xmlns:a="http://schemas.openxmlformats.org/drawingml/2006/main" xmlns:r="http://schemas.openxmlformats.org/officeDocument/2006/relationships" xmlns:p="http://schemas.openxmlformats.org/presentationml/2006/main">
   <p:cSld>
     <p:spTree>
